--- a/Twitionary PPT.pptx
+++ b/Twitionary PPT.pptx
@@ -5,16 +5,19 @@
     <p:sldMasterId id="2147483648" r:id="rId1"/>
   </p:sldMasterIdLst>
   <p:notesMasterIdLst>
-    <p:notesMasterId r:id="rId9"/>
+    <p:notesMasterId r:id="rId12"/>
   </p:notesMasterIdLst>
   <p:sldIdLst>
     <p:sldId id="266" r:id="rId2"/>
     <p:sldId id="259" r:id="rId3"/>
     <p:sldId id="260" r:id="rId4"/>
     <p:sldId id="279" r:id="rId5"/>
-    <p:sldId id="269" r:id="rId6"/>
-    <p:sldId id="280" r:id="rId7"/>
-    <p:sldId id="281" r:id="rId8"/>
+    <p:sldId id="282" r:id="rId6"/>
+    <p:sldId id="283" r:id="rId7"/>
+    <p:sldId id="284" r:id="rId8"/>
+    <p:sldId id="269" r:id="rId9"/>
+    <p:sldId id="280" r:id="rId10"/>
+    <p:sldId id="281" r:id="rId11"/>
   </p:sldIdLst>
   <p:sldSz cx="12192000" cy="6858000"/>
   <p:notesSz cx="6858000" cy="9144000"/>
@@ -207,7 +210,7 @@
           <a:p>
             <a:fld id="{556968B3-BBE8-4F57-9965-90C9D2665276}" type="datetimeFigureOut">
               <a:rPr lang="en-US" smtClean="0"/>
-              <a:t>6/11/2020</a:t>
+              <a:t>9/29/2020</a:t>
             </a:fld>
             <a:endParaRPr lang="en-US"/>
           </a:p>
@@ -690,7 +693,7 @@
           <a:p>
             <a:fld id="{3B2D6329-4EF0-4F19-A545-04B09A8BEC4F}" type="datetimeFigureOut">
               <a:rPr lang="en-IN" smtClean="0"/>
-              <a:t>11-06-2020</a:t>
+              <a:t>29-09-2020</a:t>
             </a:fld>
             <a:endParaRPr lang="en-IN"/>
           </a:p>
@@ -860,7 +863,7 @@
           <a:p>
             <a:fld id="{3B2D6329-4EF0-4F19-A545-04B09A8BEC4F}" type="datetimeFigureOut">
               <a:rPr lang="en-IN" smtClean="0"/>
-              <a:t>11-06-2020</a:t>
+              <a:t>29-09-2020</a:t>
             </a:fld>
             <a:endParaRPr lang="en-IN"/>
           </a:p>
@@ -1040,7 +1043,7 @@
           <a:p>
             <a:fld id="{3B2D6329-4EF0-4F19-A545-04B09A8BEC4F}" type="datetimeFigureOut">
               <a:rPr lang="en-IN" smtClean="0"/>
-              <a:t>11-06-2020</a:t>
+              <a:t>29-09-2020</a:t>
             </a:fld>
             <a:endParaRPr lang="en-IN"/>
           </a:p>
@@ -1210,7 +1213,7 @@
           <a:p>
             <a:fld id="{3B2D6329-4EF0-4F19-A545-04B09A8BEC4F}" type="datetimeFigureOut">
               <a:rPr lang="en-IN" smtClean="0"/>
-              <a:t>11-06-2020</a:t>
+              <a:t>29-09-2020</a:t>
             </a:fld>
             <a:endParaRPr lang="en-IN"/>
           </a:p>
@@ -1456,7 +1459,7 @@
           <a:p>
             <a:fld id="{3B2D6329-4EF0-4F19-A545-04B09A8BEC4F}" type="datetimeFigureOut">
               <a:rPr lang="en-IN" smtClean="0"/>
-              <a:t>11-06-2020</a:t>
+              <a:t>29-09-2020</a:t>
             </a:fld>
             <a:endParaRPr lang="en-IN"/>
           </a:p>
@@ -1688,7 +1691,7 @@
           <a:p>
             <a:fld id="{3B2D6329-4EF0-4F19-A545-04B09A8BEC4F}" type="datetimeFigureOut">
               <a:rPr lang="en-IN" smtClean="0"/>
-              <a:t>11-06-2020</a:t>
+              <a:t>29-09-2020</a:t>
             </a:fld>
             <a:endParaRPr lang="en-IN"/>
           </a:p>
@@ -2055,7 +2058,7 @@
           <a:p>
             <a:fld id="{3B2D6329-4EF0-4F19-A545-04B09A8BEC4F}" type="datetimeFigureOut">
               <a:rPr lang="en-IN" smtClean="0"/>
-              <a:t>11-06-2020</a:t>
+              <a:t>29-09-2020</a:t>
             </a:fld>
             <a:endParaRPr lang="en-IN"/>
           </a:p>
@@ -2173,7 +2176,7 @@
           <a:p>
             <a:fld id="{3B2D6329-4EF0-4F19-A545-04B09A8BEC4F}" type="datetimeFigureOut">
               <a:rPr lang="en-IN" smtClean="0"/>
-              <a:t>11-06-2020</a:t>
+              <a:t>29-09-2020</a:t>
             </a:fld>
             <a:endParaRPr lang="en-IN"/>
           </a:p>
@@ -2268,7 +2271,7 @@
           <a:p>
             <a:fld id="{3B2D6329-4EF0-4F19-A545-04B09A8BEC4F}" type="datetimeFigureOut">
               <a:rPr lang="en-IN" smtClean="0"/>
-              <a:t>11-06-2020</a:t>
+              <a:t>29-09-2020</a:t>
             </a:fld>
             <a:endParaRPr lang="en-IN"/>
           </a:p>
@@ -2545,7 +2548,7 @@
           <a:p>
             <a:fld id="{3B2D6329-4EF0-4F19-A545-04B09A8BEC4F}" type="datetimeFigureOut">
               <a:rPr lang="en-IN" smtClean="0"/>
-              <a:t>11-06-2020</a:t>
+              <a:t>29-09-2020</a:t>
             </a:fld>
             <a:endParaRPr lang="en-IN"/>
           </a:p>
@@ -2798,7 +2801,7 @@
           <a:p>
             <a:fld id="{3B2D6329-4EF0-4F19-A545-04B09A8BEC4F}" type="datetimeFigureOut">
               <a:rPr lang="en-IN" smtClean="0"/>
-              <a:t>11-06-2020</a:t>
+              <a:t>29-09-2020</a:t>
             </a:fld>
             <a:endParaRPr lang="en-IN"/>
           </a:p>
@@ -3014,7 +3017,7 @@
           <a:p>
             <a:fld id="{3B2D6329-4EF0-4F19-A545-04B09A8BEC4F}" type="datetimeFigureOut">
               <a:rPr lang="en-IN" smtClean="0"/>
-              <a:t>11-06-2020</a:t>
+              <a:t>29-09-2020</a:t>
             </a:fld>
             <a:endParaRPr lang="en-IN"/>
           </a:p>
@@ -3424,7 +3427,7 @@
           <p:cNvPr id="11" name="Freeform: Shape 10">
             <a:extLst>
               <a:ext uri="{FF2B5EF4-FFF2-40B4-BE49-F238E27FC236}">
-                <a16:creationId xmlns="" xmlns:a16="http://schemas.microsoft.com/office/drawing/2014/main" id="{F743191D-5B1F-4CF4-8B13-5C5437305278}"/>
+                <a16:creationId xmlns:a16="http://schemas.microsoft.com/office/drawing/2014/main" xmlns="" id="{F743191D-5B1F-4CF4-8B13-5C5437305278}"/>
               </a:ext>
             </a:extLst>
           </p:cNvPr>
@@ -3524,7 +3527,7 @@
           <p:cNvPr id="15" name="Freeform: Shape 14">
             <a:extLst>
               <a:ext uri="{FF2B5EF4-FFF2-40B4-BE49-F238E27FC236}">
-                <a16:creationId xmlns="" xmlns:a16="http://schemas.microsoft.com/office/drawing/2014/main" id="{81A5BBCB-AE86-4291-A8FC-486504EECEED}"/>
+                <a16:creationId xmlns:a16="http://schemas.microsoft.com/office/drawing/2014/main" xmlns="" id="{81A5BBCB-AE86-4291-A8FC-486504EECEED}"/>
               </a:ext>
             </a:extLst>
           </p:cNvPr>
@@ -3641,7 +3644,7 @@
           <p:cNvPr id="10" name="Freeform: Shape 9">
             <a:extLst>
               <a:ext uri="{FF2B5EF4-FFF2-40B4-BE49-F238E27FC236}">
-                <a16:creationId xmlns="" xmlns:a16="http://schemas.microsoft.com/office/drawing/2014/main" id="{315A12C4-0518-4247-BC81-E65B793C4BDE}"/>
+                <a16:creationId xmlns:a16="http://schemas.microsoft.com/office/drawing/2014/main" xmlns="" id="{315A12C4-0518-4247-BC81-E65B793C4BDE}"/>
               </a:ext>
             </a:extLst>
           </p:cNvPr>
@@ -3738,7 +3741,7 @@
           <p:cNvPr id="18" name="Freeform: Shape 17">
             <a:extLst>
               <a:ext uri="{FF2B5EF4-FFF2-40B4-BE49-F238E27FC236}">
-                <a16:creationId xmlns="" xmlns:a16="http://schemas.microsoft.com/office/drawing/2014/main" id="{966AFD47-F937-4108-9A86-7CE13A4B0D6A}"/>
+                <a16:creationId xmlns:a16="http://schemas.microsoft.com/office/drawing/2014/main" xmlns="" id="{966AFD47-F937-4108-9A86-7CE13A4B0D6A}"/>
               </a:ext>
             </a:extLst>
           </p:cNvPr>
@@ -3833,7 +3836,7 @@
           <p:cNvPr id="22" name="Freeform: Shape 21">
             <a:extLst>
               <a:ext uri="{FF2B5EF4-FFF2-40B4-BE49-F238E27FC236}">
-                <a16:creationId xmlns="" xmlns:a16="http://schemas.microsoft.com/office/drawing/2014/main" id="{620C90A2-EE50-4308-972F-47C3FCD22BCE}"/>
+                <a16:creationId xmlns:a16="http://schemas.microsoft.com/office/drawing/2014/main" xmlns="" id="{620C90A2-EE50-4308-972F-47C3FCD22BCE}"/>
               </a:ext>
             </a:extLst>
           </p:cNvPr>
@@ -3931,7 +3934,7 @@
           <p:cNvPr id="27" name="Freeform: Shape 26">
             <a:extLst>
               <a:ext uri="{FF2B5EF4-FFF2-40B4-BE49-F238E27FC236}">
-                <a16:creationId xmlns="" xmlns:a16="http://schemas.microsoft.com/office/drawing/2014/main" id="{318C7BAB-BDF4-4BAC-B7D9-EB9561197CA1}"/>
+                <a16:creationId xmlns:a16="http://schemas.microsoft.com/office/drawing/2014/main" xmlns="" id="{318C7BAB-BDF4-4BAC-B7D9-EB9561197CA1}"/>
               </a:ext>
             </a:extLst>
           </p:cNvPr>
@@ -4031,7 +4034,7 @@
           <p:cNvPr id="30" name="Group 29">
             <a:extLst>
               <a:ext uri="{FF2B5EF4-FFF2-40B4-BE49-F238E27FC236}">
-                <a16:creationId xmlns="" xmlns:a16="http://schemas.microsoft.com/office/drawing/2014/main" id="{06AA40A3-780D-4289-B2E8-CB028DC102EC}"/>
+                <a16:creationId xmlns:a16="http://schemas.microsoft.com/office/drawing/2014/main" xmlns="" id="{06AA40A3-780D-4289-B2E8-CB028DC102EC}"/>
               </a:ext>
             </a:extLst>
           </p:cNvPr>
@@ -4051,7 +4054,7 @@
             <p:cNvPr id="28" name="TextBox 27">
               <a:extLst>
                 <a:ext uri="{FF2B5EF4-FFF2-40B4-BE49-F238E27FC236}">
-                  <a16:creationId xmlns="" xmlns:a16="http://schemas.microsoft.com/office/drawing/2014/main" id="{C5B9691F-664B-4A03-AEC8-909127B5E137}"/>
+                  <a16:creationId xmlns:a16="http://schemas.microsoft.com/office/drawing/2014/main" xmlns="" id="{C5B9691F-664B-4A03-AEC8-909127B5E137}"/>
                 </a:ext>
               </a:extLst>
             </p:cNvPr>
@@ -4118,7 +4121,7 @@
             <p:cNvPr id="29" name="TextBox 28">
               <a:extLst>
                 <a:ext uri="{FF2B5EF4-FFF2-40B4-BE49-F238E27FC236}">
-                  <a16:creationId xmlns="" xmlns:a16="http://schemas.microsoft.com/office/drawing/2014/main" id="{C256D971-FA97-4E37-8269-1947273365E7}"/>
+                  <a16:creationId xmlns:a16="http://schemas.microsoft.com/office/drawing/2014/main" xmlns="" id="{C256D971-FA97-4E37-8269-1947273365E7}"/>
                 </a:ext>
               </a:extLst>
             </p:cNvPr>
@@ -4173,7 +4176,7 @@
           <p:cNvPr id="35" name="Group 34">
             <a:extLst>
               <a:ext uri="{FF2B5EF4-FFF2-40B4-BE49-F238E27FC236}">
-                <a16:creationId xmlns="" xmlns:a16="http://schemas.microsoft.com/office/drawing/2014/main" id="{54F47624-1AF1-4713-B45F-82E1B889F11D}"/>
+                <a16:creationId xmlns:a16="http://schemas.microsoft.com/office/drawing/2014/main" xmlns="" id="{54F47624-1AF1-4713-B45F-82E1B889F11D}"/>
               </a:ext>
             </a:extLst>
           </p:cNvPr>
@@ -4193,7 +4196,7 @@
             <p:cNvPr id="31" name="TextBox 30">
               <a:extLst>
                 <a:ext uri="{FF2B5EF4-FFF2-40B4-BE49-F238E27FC236}">
-                  <a16:creationId xmlns="" xmlns:a16="http://schemas.microsoft.com/office/drawing/2014/main" id="{CAD1A497-1133-4050-8493-8B2FDDB5E522}"/>
+                  <a16:creationId xmlns:a16="http://schemas.microsoft.com/office/drawing/2014/main" xmlns="" id="{CAD1A497-1133-4050-8493-8B2FDDB5E522}"/>
                 </a:ext>
               </a:extLst>
             </p:cNvPr>
@@ -4275,7 +4278,7 @@
             <p:cNvPr id="32" name="TextBox 31">
               <a:extLst>
                 <a:ext uri="{FF2B5EF4-FFF2-40B4-BE49-F238E27FC236}">
-                  <a16:creationId xmlns="" xmlns:a16="http://schemas.microsoft.com/office/drawing/2014/main" id="{D67434F3-CC5D-4F34-8A13-DDD32D669AEE}"/>
+                  <a16:creationId xmlns:a16="http://schemas.microsoft.com/office/drawing/2014/main" xmlns="" id="{D67434F3-CC5D-4F34-8A13-DDD32D669AEE}"/>
                 </a:ext>
               </a:extLst>
             </p:cNvPr>
@@ -4414,6 +4417,246 @@
 </p:sld>
 </file>
 
+<file path=ppt/slides/slide10.xml><?xml version="1.0" encoding="utf-8"?>
+<p:sld xmlns:a="http://schemas.openxmlformats.org/drawingml/2006/main" xmlns:r="http://schemas.openxmlformats.org/officeDocument/2006/relationships" xmlns:p="http://schemas.openxmlformats.org/presentationml/2006/main">
+  <p:cSld>
+    <p:spTree>
+      <p:nvGrpSpPr>
+        <p:cNvPr id="1" name=""/>
+        <p:cNvGrpSpPr/>
+        <p:nvPr/>
+      </p:nvGrpSpPr>
+      <p:grpSpPr>
+        <a:xfrm>
+          <a:off x="0" y="0"/>
+          <a:ext cx="0" cy="0"/>
+          <a:chOff x="0" y="0"/>
+          <a:chExt cx="0" cy="0"/>
+        </a:xfrm>
+      </p:grpSpPr>
+      <p:sp>
+        <p:nvSpPr>
+          <p:cNvPr id="3" name="Rectangle 2"/>
+          <p:cNvSpPr/>
+          <p:nvPr/>
+        </p:nvSpPr>
+        <p:spPr>
+          <a:xfrm>
+            <a:off x="334197" y="1485252"/>
+            <a:ext cx="5345385" cy="985270"/>
+          </a:xfrm>
+          <a:prstGeom prst="rect">
+            <a:avLst/>
+          </a:prstGeom>
+          <a:noFill/>
+          <a:ln>
+            <a:noFill/>
+          </a:ln>
+        </p:spPr>
+        <p:txBody>
+          <a:bodyPr wrap="square">
+            <a:spAutoFit/>
+          </a:bodyPr>
+          <a:lstStyle/>
+          <a:p>
+            <a:pPr marL="228600" marR="0">
+              <a:lnSpc>
+                <a:spcPct val="107000"/>
+              </a:lnSpc>
+              <a:spcBef>
+                <a:spcPts val="0"/>
+              </a:spcBef>
+              <a:spcAft>
+                <a:spcPts val="800"/>
+              </a:spcAft>
+            </a:pPr>
+            <a:r>
+              <a:rPr lang="en-US" sz="2400" b="1" spc="300" dirty="0" smtClean="0">
+                <a:solidFill>
+                  <a:schemeClr val="tx1">
+                    <a:lumMod val="65000"/>
+                    <a:lumOff val="35000"/>
+                  </a:schemeClr>
+                </a:solidFill>
+                <a:effectLst>
+                  <a:outerShdw blurRad="38100" dist="38100" dir="2700000" algn="tl">
+                    <a:srgbClr val="000000">
+                      <a:alpha val="43137"/>
+                    </a:srgbClr>
+                  </a:outerShdw>
+                </a:effectLst>
+                <a:ea typeface="Open Sans Semibold" panose="020B0706030804020204" pitchFamily="34" charset="0"/>
+                <a:cs typeface="Open Sans Semibold" panose="020B0706030804020204" pitchFamily="34" charset="0"/>
+              </a:rPr>
+              <a:t>THANK YOU</a:t>
+            </a:r>
+          </a:p>
+          <a:p>
+            <a:pPr marL="228600" marR="0">
+              <a:lnSpc>
+                <a:spcPct val="107000"/>
+              </a:lnSpc>
+              <a:spcBef>
+                <a:spcPts val="0"/>
+              </a:spcBef>
+              <a:spcAft>
+                <a:spcPts val="800"/>
+              </a:spcAft>
+            </a:pPr>
+            <a:r>
+              <a:rPr lang="en-US" sz="2400" b="1" spc="300" dirty="0" smtClean="0">
+                <a:solidFill>
+                  <a:schemeClr val="tx1">
+                    <a:lumMod val="65000"/>
+                    <a:lumOff val="35000"/>
+                  </a:schemeClr>
+                </a:solidFill>
+                <a:effectLst>
+                  <a:outerShdw blurRad="38100" dist="38100" dir="2700000" algn="tl">
+                    <a:srgbClr val="000000">
+                      <a:alpha val="43137"/>
+                    </a:srgbClr>
+                  </a:outerShdw>
+                </a:effectLst>
+                <a:ea typeface="Open Sans Semibold" panose="020B0706030804020204" pitchFamily="34" charset="0"/>
+                <a:cs typeface="Open Sans Semibold" panose="020B0706030804020204" pitchFamily="34" charset="0"/>
+              </a:rPr>
+              <a:t>Team Mobilise-Pakistan </a:t>
+            </a:r>
+            <a:endParaRPr lang="en-US" sz="2400" b="1" spc="300" dirty="0">
+              <a:solidFill>
+                <a:schemeClr val="tx1">
+                  <a:lumMod val="65000"/>
+                  <a:lumOff val="35000"/>
+                </a:schemeClr>
+              </a:solidFill>
+              <a:effectLst>
+                <a:outerShdw blurRad="38100" dist="38100" dir="2700000" algn="tl">
+                  <a:srgbClr val="000000">
+                    <a:alpha val="43137"/>
+                  </a:srgbClr>
+                </a:outerShdw>
+              </a:effectLst>
+              <a:ea typeface="Open Sans Semibold" panose="020B0706030804020204" pitchFamily="34" charset="0"/>
+              <a:cs typeface="Open Sans Semibold" panose="020B0706030804020204" pitchFamily="34" charset="0"/>
+            </a:endParaRPr>
+          </a:p>
+        </p:txBody>
+      </p:sp>
+      <p:sp>
+        <p:nvSpPr>
+          <p:cNvPr id="5" name="Rectangle 4"/>
+          <p:cNvSpPr/>
+          <p:nvPr/>
+        </p:nvSpPr>
+        <p:spPr>
+          <a:xfrm>
+            <a:off x="4939932" y="3393290"/>
+            <a:ext cx="4971246" cy="2068259"/>
+          </a:xfrm>
+          <a:prstGeom prst="rect">
+            <a:avLst/>
+          </a:prstGeom>
+          <a:solidFill>
+            <a:schemeClr val="bg1"/>
+          </a:solidFill>
+          <a:ln>
+            <a:noFill/>
+          </a:ln>
+        </p:spPr>
+        <p:txBody>
+          <a:bodyPr wrap="square">
+            <a:spAutoFit/>
+          </a:bodyPr>
+          <a:lstStyle/>
+          <a:p>
+            <a:pPr marL="228600" marR="0">
+              <a:lnSpc>
+                <a:spcPct val="107000"/>
+              </a:lnSpc>
+              <a:spcBef>
+                <a:spcPts val="0"/>
+              </a:spcBef>
+              <a:spcAft>
+                <a:spcPts val="800"/>
+              </a:spcAft>
+            </a:pPr>
+            <a:r>
+              <a:rPr lang="en-US" sz="4000" spc="300" dirty="0" smtClean="0">
+                <a:solidFill>
+                  <a:schemeClr val="tx1">
+                    <a:lumMod val="65000"/>
+                    <a:lumOff val="35000"/>
+                  </a:schemeClr>
+                </a:solidFill>
+                <a:ea typeface="Open Sans Semibold" panose="020B0706030804020204" pitchFamily="34" charset="0"/>
+                <a:cs typeface="Open Sans Semibold" panose="020B0706030804020204" pitchFamily="34" charset="0"/>
+              </a:rPr>
+              <a:t>We will be happy to answer any questions</a:t>
+            </a:r>
+            <a:endParaRPr lang="en-US" sz="4000" spc="300" dirty="0">
+              <a:solidFill>
+                <a:schemeClr val="tx1">
+                  <a:lumMod val="65000"/>
+                  <a:lumOff val="35000"/>
+                </a:schemeClr>
+              </a:solidFill>
+              <a:ea typeface="Open Sans Semibold" panose="020B0706030804020204" pitchFamily="34" charset="0"/>
+              <a:cs typeface="Open Sans Semibold" panose="020B0706030804020204" pitchFamily="34" charset="0"/>
+            </a:endParaRPr>
+          </a:p>
+        </p:txBody>
+      </p:sp>
+      <p:pic>
+        <p:nvPicPr>
+          <p:cNvPr id="7" name="Picture 6"/>
+          <p:cNvPicPr>
+            <a:picLocks noChangeAspect="1"/>
+          </p:cNvPicPr>
+          <p:nvPr/>
+        </p:nvPicPr>
+        <p:blipFill>
+          <a:blip r:embed="rId2">
+            <a:extLst>
+              <a:ext uri="{28A0092B-C50C-407E-A947-70E740481C1C}">
+                <a14:useLocalDpi xmlns:a14="http://schemas.microsoft.com/office/drawing/2010/main" val="0"/>
+              </a:ext>
+            </a:extLst>
+          </a:blip>
+          <a:stretch>
+            <a:fillRect/>
+          </a:stretch>
+        </p:blipFill>
+        <p:spPr>
+          <a:xfrm>
+            <a:off x="2223430" y="5606827"/>
+            <a:ext cx="7687748" cy="971557"/>
+          </a:xfrm>
+          <a:prstGeom prst="rect">
+            <a:avLst/>
+          </a:prstGeom>
+        </p:spPr>
+      </p:pic>
+    </p:spTree>
+    <p:extLst>
+      <p:ext uri="{BB962C8B-B14F-4D97-AF65-F5344CB8AC3E}">
+        <p14:creationId xmlns:p14="http://schemas.microsoft.com/office/powerpoint/2010/main" val="1787472408"/>
+      </p:ext>
+    </p:extLst>
+  </p:cSld>
+  <p:clrMapOvr>
+    <a:masterClrMapping/>
+  </p:clrMapOvr>
+  <p:timing>
+    <p:tnLst>
+      <p:par>
+        <p:cTn id="1" dur="indefinite" restart="never" nodeType="tmRoot"/>
+      </p:par>
+    </p:tnLst>
+  </p:timing>
+</p:sld>
+</file>
+
 <file path=ppt/slides/slide2.xml><?xml version="1.0" encoding="utf-8"?>
 <p:sld xmlns:a="http://schemas.openxmlformats.org/drawingml/2006/main" xmlns:r="http://schemas.openxmlformats.org/officeDocument/2006/relationships" xmlns:p="http://schemas.openxmlformats.org/presentationml/2006/main">
   <p:cSld>
@@ -4547,15 +4790,7 @@
                 <a:ea typeface="Open Sans" panose="020B0606030504020204" pitchFamily="34" charset="0"/>
                 <a:cs typeface="Open Sans" panose="020B0606030504020204" pitchFamily="34" charset="0"/>
               </a:rPr>
-              <a:t>Mobilise Pakistan</a:t>
-            </a:r>
-            <a:r>
-              <a:rPr lang="en-US" sz="1600" dirty="0" smtClean="0">
-                <a:latin typeface="Open Sans" panose="020B0606030504020204" pitchFamily="34" charset="0"/>
-                <a:ea typeface="Open Sans" panose="020B0606030504020204" pitchFamily="34" charset="0"/>
-                <a:cs typeface="Open Sans" panose="020B0606030504020204" pitchFamily="34" charset="0"/>
-              </a:rPr>
-              <a:t> </a:t>
+              <a:t>Mobilise Pakistan </a:t>
             </a:r>
             <a:endParaRPr lang="en-US" sz="1600" dirty="0">
               <a:latin typeface="Open Sans" panose="020B0606030504020204" pitchFamily="34" charset="0"/>
@@ -4615,79 +4850,6 @@
               </a:rPr>
               <a:t>Mobilise Pakistan </a:t>
             </a:r>
-            <a:endParaRPr lang="en-US" sz="1600" dirty="0" smtClean="0">
-              <a:latin typeface="Open Sans" panose="020B0606030504020204" pitchFamily="34" charset="0"/>
-              <a:ea typeface="Open Sans" panose="020B0606030504020204" pitchFamily="34" charset="0"/>
-              <a:cs typeface="Open Sans" panose="020B0606030504020204" pitchFamily="34" charset="0"/>
-            </a:endParaRPr>
-          </a:p>
-        </p:txBody>
-      </p:sp>
-      <p:sp>
-        <p:nvSpPr>
-          <p:cNvPr id="46" name="TextBox 45"/>
-          <p:cNvSpPr txBox="1"/>
-          <p:nvPr/>
-        </p:nvSpPr>
-        <p:spPr>
-          <a:xfrm>
-            <a:off x="8407241" y="3091626"/>
-            <a:ext cx="3818022" cy="861774"/>
-          </a:xfrm>
-          <a:prstGeom prst="rect">
-            <a:avLst/>
-          </a:prstGeom>
-          <a:noFill/>
-        </p:spPr>
-        <p:txBody>
-          <a:bodyPr wrap="square" rtlCol="0">
-            <a:spAutoFit/>
-          </a:bodyPr>
-          <a:lstStyle/>
-          <a:p>
-            <a:r>
-              <a:rPr lang="en-US" sz="1600" b="1" dirty="0" smtClean="0">
-                <a:latin typeface="Open Sans" panose="020B0606030504020204" pitchFamily="34" charset="0"/>
-                <a:ea typeface="Open Sans" panose="020B0606030504020204" pitchFamily="34" charset="0"/>
-                <a:cs typeface="Open Sans" panose="020B0606030504020204" pitchFamily="34" charset="0"/>
-              </a:rPr>
-              <a:t>Irfan Ullah </a:t>
-            </a:r>
-            <a:endParaRPr lang="en-US" sz="1600" b="1" dirty="0">
-              <a:latin typeface="Open Sans" panose="020B0606030504020204" pitchFamily="34" charset="0"/>
-              <a:ea typeface="Open Sans" panose="020B0606030504020204" pitchFamily="34" charset="0"/>
-              <a:cs typeface="Open Sans" panose="020B0606030504020204" pitchFamily="34" charset="0"/>
-            </a:endParaRPr>
-          </a:p>
-          <a:p>
-            <a:r>
-              <a:rPr lang="en-US" sz="1600" dirty="0" smtClean="0">
-                <a:latin typeface="Open Sans" panose="020B0606030504020204" pitchFamily="34" charset="0"/>
-                <a:ea typeface="Open Sans" panose="020B0606030504020204" pitchFamily="34" charset="0"/>
-                <a:cs typeface="Open Sans" panose="020B0606030504020204" pitchFamily="34" charset="0"/>
-              </a:rPr>
-              <a:t>RESEARCH ASSISTANT  </a:t>
-            </a:r>
-            <a:endParaRPr lang="en-US" sz="1600" dirty="0">
-              <a:latin typeface="Open Sans" panose="020B0606030504020204" pitchFamily="34" charset="0"/>
-              <a:ea typeface="Open Sans" panose="020B0606030504020204" pitchFamily="34" charset="0"/>
-              <a:cs typeface="Open Sans" panose="020B0606030504020204" pitchFamily="34" charset="0"/>
-            </a:endParaRPr>
-          </a:p>
-          <a:p>
-            <a:r>
-              <a:rPr lang="en-US" sz="1600" dirty="0" smtClean="0">
-                <a:latin typeface="Open Sans" panose="020B0606030504020204" pitchFamily="34" charset="0"/>
-                <a:ea typeface="Open Sans" panose="020B0606030504020204" pitchFamily="34" charset="0"/>
-                <a:cs typeface="Open Sans" panose="020B0606030504020204" pitchFamily="34" charset="0"/>
-              </a:rPr>
-              <a:t>Mobilse Pakistan </a:t>
-            </a:r>
-            <a:endParaRPr lang="en-US" sz="1600" dirty="0">
-              <a:latin typeface="Open Sans" panose="020B0606030504020204" pitchFamily="34" charset="0"/>
-              <a:ea typeface="Open Sans" panose="020B0606030504020204" pitchFamily="34" charset="0"/>
-              <a:cs typeface="Open Sans" panose="020B0606030504020204" pitchFamily="34" charset="0"/>
-            </a:endParaRPr>
           </a:p>
         </p:txBody>
       </p:sp>
@@ -4699,7 +4861,7 @@
         </p:nvSpPr>
         <p:spPr>
           <a:xfrm>
-            <a:off x="8407241" y="4160326"/>
+            <a:off x="8407241" y="3243456"/>
             <a:ext cx="4119613" cy="830997"/>
           </a:xfrm>
           <a:prstGeom prst="rect">
@@ -4746,11 +4908,6 @@
               </a:rPr>
               <a:t>Mobilse Pakistan </a:t>
             </a:r>
-            <a:endParaRPr lang="en-US" sz="1600" dirty="0">
-              <a:latin typeface="Open Sans" panose="020B0606030504020204" pitchFamily="34" charset="0"/>
-              <a:ea typeface="Open Sans" panose="020B0606030504020204" pitchFamily="34" charset="0"/>
-              <a:cs typeface="Open Sans" panose="020B0606030504020204" pitchFamily="34" charset="0"/>
-            </a:endParaRPr>
           </a:p>
         </p:txBody>
       </p:sp>
@@ -4963,6 +5120,14 @@
 <file path=ppt/slides/slide3.xml><?xml version="1.0" encoding="utf-8"?>
 <p:sld xmlns:a="http://schemas.openxmlformats.org/drawingml/2006/main" xmlns:r="http://schemas.openxmlformats.org/officeDocument/2006/relationships" xmlns:p="http://schemas.openxmlformats.org/presentationml/2006/main">
   <p:cSld>
+    <p:bg>
+      <p:bgPr>
+        <a:solidFill>
+          <a:schemeClr val="bg1"/>
+        </a:solidFill>
+        <a:effectLst/>
+      </p:bgPr>
+    </p:bg>
     <p:spTree>
       <p:nvGrpSpPr>
         <p:cNvPr id="1" name=""/>
@@ -4979,76 +5144,6 @@
       </p:grpSpPr>
       <p:sp>
         <p:nvSpPr>
-          <p:cNvPr id="42" name="TextBox 41"/>
-          <p:cNvSpPr txBox="1"/>
-          <p:nvPr/>
-        </p:nvSpPr>
-        <p:spPr>
-          <a:xfrm>
-            <a:off x="0" y="465347"/>
-            <a:ext cx="2137893" cy="523220"/>
-          </a:xfrm>
-          <a:prstGeom prst="rect">
-            <a:avLst/>
-          </a:prstGeom>
-          <a:solidFill>
-            <a:schemeClr val="bg2"/>
-          </a:solidFill>
-          <a:ln>
-            <a:noFill/>
-            <a:prstDash val="lgDash"/>
-          </a:ln>
-        </p:spPr>
-        <p:txBody>
-          <a:bodyPr wrap="square" rtlCol="0">
-            <a:spAutoFit/>
-          </a:bodyPr>
-          <a:lstStyle/>
-          <a:p>
-            <a:r>
-              <a:rPr lang="en-IN" sz="2800" b="1" spc="300" dirty="0" smtClean="0">
-                <a:solidFill>
-                  <a:schemeClr val="tx1">
-                    <a:lumMod val="65000"/>
-                    <a:lumOff val="35000"/>
-                  </a:schemeClr>
-                </a:solidFill>
-                <a:latin typeface="+mj-lt"/>
-                <a:ea typeface="Open Sans Extrabold" panose="020B0906030804020204" pitchFamily="34" charset="0"/>
-                <a:cs typeface="Nirmala UI" panose="020B0502040204020203" pitchFamily="34" charset="0"/>
-              </a:rPr>
-              <a:t>Twitionary</a:t>
-            </a:r>
-            <a:r>
-              <a:rPr lang="en-IN" sz="2800" b="1" spc="300" dirty="0" smtClean="0">
-                <a:solidFill>
-                  <a:schemeClr val="tx1">
-                    <a:lumMod val="65000"/>
-                    <a:lumOff val="35000"/>
-                  </a:schemeClr>
-                </a:solidFill>
-                <a:latin typeface="+mj-lt"/>
-                <a:ea typeface="Open Sans Extrabold" panose="020B0906030804020204" pitchFamily="34" charset="0"/>
-                <a:cs typeface="Open Sans Extrabold" panose="020B0906030804020204" pitchFamily="34" charset="0"/>
-              </a:rPr>
-              <a:t>  </a:t>
-            </a:r>
-            <a:endParaRPr lang="en-IN" sz="2800" b="1" spc="300" dirty="0">
-              <a:solidFill>
-                <a:schemeClr val="tx1">
-                  <a:lumMod val="65000"/>
-                  <a:lumOff val="35000"/>
-                </a:schemeClr>
-              </a:solidFill>
-              <a:latin typeface="+mj-lt"/>
-              <a:ea typeface="Open Sans Extrabold" panose="020B0906030804020204" pitchFamily="34" charset="0"/>
-              <a:cs typeface="Open Sans Extrabold" panose="020B0906030804020204" pitchFamily="34" charset="0"/>
-            </a:endParaRPr>
-          </a:p>
-        </p:txBody>
-      </p:sp>
-      <p:sp>
-        <p:nvSpPr>
           <p:cNvPr id="3" name="Rectangle 2"/>
           <p:cNvSpPr/>
           <p:nvPr/>
@@ -5196,33 +5291,7 @@
                 <a:ea typeface="Open Sans Semibold" panose="020B0706030804020204" pitchFamily="34" charset="0"/>
                 <a:cs typeface="Open Sans Semibold" panose="020B0706030804020204" pitchFamily="34" charset="0"/>
               </a:rPr>
-              <a:t>©</a:t>
-            </a:r>
-            <a:r>
-              <a:rPr lang="en-US" sz="1100" spc="300" dirty="0" smtClean="0">
-                <a:solidFill>
-                  <a:schemeClr val="bg1">
-                    <a:lumMod val="65000"/>
-                  </a:schemeClr>
-                </a:solidFill>
-                <a:latin typeface="Open Sans Semibold" panose="020B0706030804020204" pitchFamily="34" charset="0"/>
-                <a:ea typeface="Open Sans Semibold" panose="020B0706030804020204" pitchFamily="34" charset="0"/>
-                <a:cs typeface="Open Sans Semibold" panose="020B0706030804020204" pitchFamily="34" charset="0"/>
-              </a:rPr>
-              <a:t>Mobilise</a:t>
-            </a:r>
-            <a:r>
-              <a:rPr lang="en-US" sz="1100" spc="300" dirty="0" smtClean="0">
-                <a:solidFill>
-                  <a:schemeClr val="bg1">
-                    <a:lumMod val="65000"/>
-                  </a:schemeClr>
-                </a:solidFill>
-                <a:latin typeface="Open Sans Semibold" panose="020B0706030804020204" pitchFamily="34" charset="0"/>
-                <a:ea typeface="Open Sans Semibold" panose="020B0706030804020204" pitchFamily="34" charset="0"/>
-                <a:cs typeface="Open Sans Semibold" panose="020B0706030804020204" pitchFamily="34" charset="0"/>
-              </a:rPr>
-              <a:t>, </a:t>
+              <a:t>©Mobilise, </a:t>
             </a:r>
             <a:r>
               <a:rPr lang="en-US" sz="1100" spc="300" dirty="0">
@@ -5714,6 +5783,213 @@
               </a:rPr>
               <a:t>view of performed analysis </a:t>
             </a:r>
+          </a:p>
+        </p:txBody>
+      </p:sp>
+      <p:grpSp>
+        <p:nvGrpSpPr>
+          <p:cNvPr id="10" name="Group 9"/>
+          <p:cNvGrpSpPr/>
+          <p:nvPr/>
+        </p:nvGrpSpPr>
+        <p:grpSpPr>
+          <a:xfrm>
+            <a:off x="0" y="-1"/>
+            <a:ext cx="1423116" cy="772733"/>
+            <a:chOff x="0" y="-1"/>
+            <a:chExt cx="1423116" cy="772733"/>
+          </a:xfrm>
+        </p:grpSpPr>
+        <p:sp>
+          <p:nvSpPr>
+            <p:cNvPr id="11" name="Rectangle 1"/>
+            <p:cNvSpPr/>
+            <p:nvPr/>
+          </p:nvSpPr>
+          <p:spPr>
+            <a:xfrm>
+              <a:off x="0" y="-1"/>
+              <a:ext cx="1371600" cy="772733"/>
+            </a:xfrm>
+            <a:custGeom>
+              <a:avLst/>
+              <a:gdLst>
+                <a:gd name="connsiteX0" fmla="*/ 0 w 1429555"/>
+                <a:gd name="connsiteY0" fmla="*/ 0 h 734096"/>
+                <a:gd name="connsiteX1" fmla="*/ 1429555 w 1429555"/>
+                <a:gd name="connsiteY1" fmla="*/ 0 h 734096"/>
+                <a:gd name="connsiteX2" fmla="*/ 1429555 w 1429555"/>
+                <a:gd name="connsiteY2" fmla="*/ 734096 h 734096"/>
+                <a:gd name="connsiteX3" fmla="*/ 0 w 1429555"/>
+                <a:gd name="connsiteY3" fmla="*/ 734096 h 734096"/>
+                <a:gd name="connsiteX4" fmla="*/ 0 w 1429555"/>
+                <a:gd name="connsiteY4" fmla="*/ 0 h 734096"/>
+                <a:gd name="connsiteX0" fmla="*/ 0 w 1429555"/>
+                <a:gd name="connsiteY0" fmla="*/ 0 h 746975"/>
+                <a:gd name="connsiteX1" fmla="*/ 1429555 w 1429555"/>
+                <a:gd name="connsiteY1" fmla="*/ 0 h 746975"/>
+                <a:gd name="connsiteX2" fmla="*/ 914400 w 1429555"/>
+                <a:gd name="connsiteY2" fmla="*/ 746975 h 746975"/>
+                <a:gd name="connsiteX3" fmla="*/ 0 w 1429555"/>
+                <a:gd name="connsiteY3" fmla="*/ 734096 h 746975"/>
+                <a:gd name="connsiteX4" fmla="*/ 0 w 1429555"/>
+                <a:gd name="connsiteY4" fmla="*/ 0 h 746975"/>
+              </a:gdLst>
+              <a:ahLst/>
+              <a:cxnLst>
+                <a:cxn ang="0">
+                  <a:pos x="connsiteX0" y="connsiteY0"/>
+                </a:cxn>
+                <a:cxn ang="0">
+                  <a:pos x="connsiteX1" y="connsiteY1"/>
+                </a:cxn>
+                <a:cxn ang="0">
+                  <a:pos x="connsiteX2" y="connsiteY2"/>
+                </a:cxn>
+                <a:cxn ang="0">
+                  <a:pos x="connsiteX3" y="connsiteY3"/>
+                </a:cxn>
+                <a:cxn ang="0">
+                  <a:pos x="connsiteX4" y="connsiteY4"/>
+                </a:cxn>
+              </a:cxnLst>
+              <a:rect l="l" t="t" r="r" b="b"/>
+              <a:pathLst>
+                <a:path w="1429555" h="746975">
+                  <a:moveTo>
+                    <a:pt x="0" y="0"/>
+                  </a:moveTo>
+                  <a:lnTo>
+                    <a:pt x="1429555" y="0"/>
+                  </a:lnTo>
+                  <a:lnTo>
+                    <a:pt x="914400" y="746975"/>
+                  </a:lnTo>
+                  <a:lnTo>
+                    <a:pt x="0" y="734096"/>
+                  </a:lnTo>
+                  <a:lnTo>
+                    <a:pt x="0" y="0"/>
+                  </a:lnTo>
+                  <a:close/>
+                </a:path>
+              </a:pathLst>
+            </a:custGeom>
+            <a:solidFill>
+              <a:srgbClr val="FFD42A"/>
+            </a:solidFill>
+            <a:ln>
+              <a:noFill/>
+            </a:ln>
+          </p:spPr>
+          <p:style>
+            <a:lnRef idx="2">
+              <a:schemeClr val="accent1">
+                <a:shade val="50000"/>
+              </a:schemeClr>
+            </a:lnRef>
+            <a:fillRef idx="1">
+              <a:schemeClr val="accent1"/>
+            </a:fillRef>
+            <a:effectRef idx="0">
+              <a:schemeClr val="accent1"/>
+            </a:effectRef>
+            <a:fontRef idx="minor">
+              <a:schemeClr val="lt1"/>
+            </a:fontRef>
+          </p:style>
+          <p:txBody>
+            <a:bodyPr rtlCol="0" anchor="ctr"/>
+            <a:lstStyle/>
+            <a:p>
+              <a:pPr algn="ctr"/>
+              <a:endParaRPr lang="en-US"/>
+            </a:p>
+          </p:txBody>
+        </p:sp>
+        <p:cxnSp>
+          <p:nvCxnSpPr>
+            <p:cNvPr id="13" name="Straight Connector 12"/>
+            <p:cNvCxnSpPr/>
+            <p:nvPr/>
+          </p:nvCxnSpPr>
+          <p:spPr>
+            <a:xfrm flipH="1">
+              <a:off x="928846" y="0"/>
+              <a:ext cx="494270" cy="772732"/>
+            </a:xfrm>
+            <a:prstGeom prst="line">
+              <a:avLst/>
+            </a:prstGeom>
+            <a:ln w="28575">
+              <a:solidFill>
+                <a:schemeClr val="tx1">
+                  <a:lumMod val="85000"/>
+                  <a:lumOff val="15000"/>
+                </a:schemeClr>
+              </a:solidFill>
+            </a:ln>
+          </p:spPr>
+          <p:style>
+            <a:lnRef idx="1">
+              <a:schemeClr val="accent1"/>
+            </a:lnRef>
+            <a:fillRef idx="0">
+              <a:schemeClr val="accent1"/>
+            </a:fillRef>
+            <a:effectRef idx="0">
+              <a:schemeClr val="accent1"/>
+            </a:effectRef>
+            <a:fontRef idx="minor">
+              <a:schemeClr val="tx1"/>
+            </a:fontRef>
+          </p:style>
+        </p:cxnSp>
+      </p:grpSp>
+      <p:sp>
+        <p:nvSpPr>
+          <p:cNvPr id="14" name="Rectangle 13"/>
+          <p:cNvSpPr/>
+          <p:nvPr/>
+        </p:nvSpPr>
+        <p:spPr>
+          <a:xfrm>
+            <a:off x="1305920" y="209105"/>
+            <a:ext cx="2080954" cy="461665"/>
+          </a:xfrm>
+          <a:prstGeom prst="rect">
+            <a:avLst/>
+          </a:prstGeom>
+        </p:spPr>
+        <p:txBody>
+          <a:bodyPr wrap="none">
+            <a:spAutoFit/>
+          </a:bodyPr>
+          <a:lstStyle/>
+          <a:p>
+            <a:r>
+              <a:rPr lang="en-US" sz="2400" b="1" spc="300" dirty="0" err="1" smtClean="0">
+                <a:solidFill>
+                  <a:schemeClr val="tx1">
+                    <a:lumMod val="85000"/>
+                    <a:lumOff val="15000"/>
+                  </a:schemeClr>
+                </a:solidFill>
+                <a:ea typeface="Roboto" panose="02000000000000000000" pitchFamily="2" charset="0"/>
+                <a:cs typeface="Roboto" panose="02000000000000000000" pitchFamily="2" charset="0"/>
+              </a:rPr>
+              <a:t>Twittionary</a:t>
+            </a:r>
+            <a:endParaRPr lang="en-US" sz="2400" b="1" spc="300" dirty="0">
+              <a:solidFill>
+                <a:schemeClr val="tx1">
+                  <a:lumMod val="85000"/>
+                  <a:lumOff val="15000"/>
+                </a:schemeClr>
+              </a:solidFill>
+              <a:ea typeface="Roboto" panose="02000000000000000000" pitchFamily="2" charset="0"/>
+              <a:cs typeface="Roboto" panose="02000000000000000000" pitchFamily="2" charset="0"/>
+            </a:endParaRPr>
           </a:p>
         </p:txBody>
       </p:sp>
@@ -5740,6 +6016,14 @@
 <file path=ppt/slides/slide4.xml><?xml version="1.0" encoding="utf-8"?>
 <p:sld xmlns:a="http://schemas.openxmlformats.org/drawingml/2006/main" xmlns:r="http://schemas.openxmlformats.org/officeDocument/2006/relationships" xmlns:p="http://schemas.openxmlformats.org/presentationml/2006/main">
   <p:cSld>
+    <p:bg>
+      <p:bgPr>
+        <a:solidFill>
+          <a:schemeClr val="bg1"/>
+        </a:solidFill>
+        <a:effectLst/>
+      </p:bgPr>
+    </p:bg>
     <p:spTree>
       <p:nvGrpSpPr>
         <p:cNvPr id="1" name=""/>
@@ -5756,84 +6040,14 @@
       </p:grpSpPr>
       <p:sp>
         <p:nvSpPr>
-          <p:cNvPr id="42" name="TextBox 41"/>
-          <p:cNvSpPr txBox="1"/>
-          <p:nvPr/>
-        </p:nvSpPr>
-        <p:spPr>
-          <a:xfrm>
-            <a:off x="1" y="465347"/>
-            <a:ext cx="2542926" cy="523220"/>
-          </a:xfrm>
-          <a:prstGeom prst="rect">
-            <a:avLst/>
-          </a:prstGeom>
-          <a:solidFill>
-            <a:schemeClr val="bg2"/>
-          </a:solidFill>
-          <a:ln>
-            <a:noFill/>
-            <a:prstDash val="lgDash"/>
-          </a:ln>
-        </p:spPr>
-        <p:txBody>
-          <a:bodyPr wrap="square" rtlCol="0">
-            <a:spAutoFit/>
-          </a:bodyPr>
-          <a:lstStyle/>
-          <a:p>
-            <a:r>
-              <a:rPr lang="en-IN" sz="2800" b="1" spc="300" dirty="0" smtClean="0">
-                <a:solidFill>
-                  <a:schemeClr val="tx1">
-                    <a:lumMod val="65000"/>
-                    <a:lumOff val="35000"/>
-                  </a:schemeClr>
-                </a:solidFill>
-                <a:latin typeface="+mj-lt"/>
-                <a:ea typeface="Open Sans Extrabold" panose="020B0906030804020204" pitchFamily="34" charset="0"/>
-                <a:cs typeface="Nirmala UI" panose="020B0502040204020203" pitchFamily="34" charset="0"/>
-              </a:rPr>
-              <a:t>How it works</a:t>
-            </a:r>
-            <a:r>
-              <a:rPr lang="en-IN" sz="2800" b="1" spc="300" dirty="0" smtClean="0">
-                <a:solidFill>
-                  <a:schemeClr val="tx1">
-                    <a:lumMod val="65000"/>
-                    <a:lumOff val="35000"/>
-                  </a:schemeClr>
-                </a:solidFill>
-                <a:latin typeface="+mj-lt"/>
-                <a:ea typeface="Open Sans Extrabold" panose="020B0906030804020204" pitchFamily="34" charset="0"/>
-                <a:cs typeface="Open Sans Extrabold" panose="020B0906030804020204" pitchFamily="34" charset="0"/>
-              </a:rPr>
-              <a:t>  </a:t>
-            </a:r>
-            <a:endParaRPr lang="en-IN" sz="2800" b="1" spc="300" dirty="0">
-              <a:solidFill>
-                <a:schemeClr val="tx1">
-                  <a:lumMod val="65000"/>
-                  <a:lumOff val="35000"/>
-                </a:schemeClr>
-              </a:solidFill>
-              <a:latin typeface="+mj-lt"/>
-              <a:ea typeface="Open Sans Extrabold" panose="020B0906030804020204" pitchFamily="34" charset="0"/>
-              <a:cs typeface="Open Sans Extrabold" panose="020B0906030804020204" pitchFamily="34" charset="0"/>
-            </a:endParaRPr>
-          </a:p>
-        </p:txBody>
-      </p:sp>
-      <p:sp>
-        <p:nvSpPr>
           <p:cNvPr id="3" name="Rectangle 2"/>
           <p:cNvSpPr/>
           <p:nvPr/>
         </p:nvSpPr>
         <p:spPr>
           <a:xfrm>
-            <a:off x="1243466" y="1140275"/>
-            <a:ext cx="10138614" cy="1323439"/>
+            <a:off x="1243465" y="1140275"/>
+            <a:ext cx="9600545" cy="2862322"/>
           </a:xfrm>
           <a:prstGeom prst="rect">
             <a:avLst/>
@@ -5849,8 +6063,12 @@
           </a:bodyPr>
           <a:lstStyle/>
           <a:p>
-            <a:r>
-              <a:rPr lang="en-US" sz="1600" spc="300" dirty="0">
+            <a:pPr marL="342900" indent="-342900">
+              <a:buFont typeface="Arial" panose="020B0604020202020204" pitchFamily="34" charset="0"/>
+              <a:buChar char="•"/>
+            </a:pPr>
+            <a:r>
+              <a:rPr lang="en-US" sz="2000" spc="300" dirty="0">
                 <a:solidFill>
                   <a:schemeClr val="tx1">
                     <a:lumMod val="65000"/>
@@ -5863,7 +6081,7 @@
               <a:t>Based on provided data dictionary (user can update dictionary) </a:t>
             </a:r>
             <a:r>
-              <a:rPr lang="en-US" sz="1600" spc="300" dirty="0" err="1">
+              <a:rPr lang="en-US" sz="2000" spc="300" dirty="0" err="1">
                 <a:solidFill>
                   <a:schemeClr val="tx1">
                     <a:lumMod val="65000"/>
@@ -5876,7 +6094,7 @@
               <a:t>twitionary</a:t>
             </a:r>
             <a:r>
-              <a:rPr lang="en-US" sz="1600" spc="300" dirty="0">
+              <a:rPr lang="en-US" sz="2000" spc="300" dirty="0">
                 <a:solidFill>
                   <a:schemeClr val="tx1">
                     <a:lumMod val="65000"/>
@@ -5886,12 +6104,10 @@
                 <a:ea typeface="Open Sans Semibold" panose="020B0706030804020204" pitchFamily="34" charset="0"/>
                 <a:cs typeface="Open Sans Semibold" panose="020B0706030804020204" pitchFamily="34" charset="0"/>
               </a:rPr>
-              <a:t> Scrape Data from different national/international news, blog sites and twitter, it stored the scraped data in Database</a:t>
-            </a:r>
-          </a:p>
-          <a:p>
-            <a:r>
-              <a:rPr lang="en-US" sz="1600" spc="300" dirty="0">
+              <a:t> Scrape Data from different national/international news, blog sites and </a:t>
+            </a:r>
+            <a:r>
+              <a:rPr lang="en-US" sz="2000" spc="300" dirty="0" smtClean="0">
                 <a:solidFill>
                   <a:schemeClr val="tx1">
                     <a:lumMod val="65000"/>
@@ -5901,10 +6117,42 @@
                 <a:ea typeface="Open Sans Semibold" panose="020B0706030804020204" pitchFamily="34" charset="0"/>
                 <a:cs typeface="Open Sans Semibold" panose="020B0706030804020204" pitchFamily="34" charset="0"/>
               </a:rPr>
-              <a:t>Based on scrape data </a:t>
-            </a:r>
-            <a:r>
-              <a:rPr lang="en-US" sz="1600" spc="300" dirty="0" err="1">
+              <a:t>twitter</a:t>
+            </a:r>
+            <a:endParaRPr lang="en-US" sz="2000" spc="300" dirty="0">
+              <a:solidFill>
+                <a:schemeClr val="tx1">
+                  <a:lumMod val="65000"/>
+                  <a:lumOff val="35000"/>
+                </a:schemeClr>
+              </a:solidFill>
+              <a:ea typeface="Open Sans Semibold" panose="020B0706030804020204" pitchFamily="34" charset="0"/>
+              <a:cs typeface="Open Sans Semibold" panose="020B0706030804020204" pitchFamily="34" charset="0"/>
+            </a:endParaRPr>
+          </a:p>
+          <a:p>
+            <a:pPr marL="342900" indent="-342900">
+              <a:buFont typeface="Arial" panose="020B0604020202020204" pitchFamily="34" charset="0"/>
+              <a:buChar char="•"/>
+            </a:pPr>
+            <a:endParaRPr lang="en-US" sz="2000" spc="300" dirty="0" smtClean="0">
+              <a:solidFill>
+                <a:schemeClr val="tx1">
+                  <a:lumMod val="65000"/>
+                  <a:lumOff val="35000"/>
+                </a:schemeClr>
+              </a:solidFill>
+              <a:ea typeface="Open Sans Semibold" panose="020B0706030804020204" pitchFamily="34" charset="0"/>
+              <a:cs typeface="Open Sans Semibold" panose="020B0706030804020204" pitchFamily="34" charset="0"/>
+            </a:endParaRPr>
+          </a:p>
+          <a:p>
+            <a:pPr marL="342900" indent="-342900">
+              <a:buFont typeface="Arial" panose="020B0604020202020204" pitchFamily="34" charset="0"/>
+              <a:buChar char="•"/>
+            </a:pPr>
+            <a:r>
+              <a:rPr lang="en-US" sz="2000" spc="300" dirty="0" smtClean="0">
                 <a:solidFill>
                   <a:schemeClr val="tx1">
                     <a:lumMod val="65000"/>
@@ -5914,10 +6162,10 @@
                 <a:ea typeface="Open Sans Semibold" panose="020B0706030804020204" pitchFamily="34" charset="0"/>
                 <a:cs typeface="Open Sans Semibold" panose="020B0706030804020204" pitchFamily="34" charset="0"/>
               </a:rPr>
-              <a:t>Twitionary</a:t>
-            </a:r>
-            <a:r>
-              <a:rPr lang="en-US" sz="1600" spc="300" dirty="0">
+              <a:t>it </a:t>
+            </a:r>
+            <a:r>
+              <a:rPr lang="en-US" sz="2000" spc="300" dirty="0">
                 <a:solidFill>
                   <a:schemeClr val="tx1">
                     <a:lumMod val="65000"/>
@@ -5927,10 +6175,10 @@
                 <a:ea typeface="Open Sans Semibold" panose="020B0706030804020204" pitchFamily="34" charset="0"/>
                 <a:cs typeface="Open Sans Semibold" panose="020B0706030804020204" pitchFamily="34" charset="0"/>
               </a:rPr>
-              <a:t> ML module perform sentiment analysis, the platform is hosted on Google cloud server </a:t>
-            </a:r>
-            <a:r>
-              <a:rPr lang="en-US" sz="1600" spc="300" dirty="0">
+              <a:t>stored the scraped data in </a:t>
+            </a:r>
+            <a:r>
+              <a:rPr lang="en-US" sz="2000" spc="300" dirty="0" smtClean="0">
                 <a:solidFill>
                   <a:schemeClr val="tx1">
                     <a:lumMod val="65000"/>
@@ -5939,9 +6187,111 @@
                 </a:solidFill>
                 <a:ea typeface="Open Sans Semibold" panose="020B0706030804020204" pitchFamily="34" charset="0"/>
                 <a:cs typeface="Open Sans Semibold" panose="020B0706030804020204" pitchFamily="34" charset="0"/>
-                <a:hlinkClick r:id="rId2"/>
-              </a:rPr>
-              <a:t>http://34.68.136.134/blog/</a:t>
+              </a:rPr>
+              <a:t>Database</a:t>
+            </a:r>
+          </a:p>
+          <a:p>
+            <a:pPr marL="342900" indent="-342900">
+              <a:buFont typeface="Arial" panose="020B0604020202020204" pitchFamily="34" charset="0"/>
+              <a:buChar char="•"/>
+            </a:pPr>
+            <a:endParaRPr lang="en-US" sz="2000" spc="300" dirty="0" smtClean="0">
+              <a:solidFill>
+                <a:schemeClr val="tx1">
+                  <a:lumMod val="65000"/>
+                  <a:lumOff val="35000"/>
+                </a:schemeClr>
+              </a:solidFill>
+              <a:ea typeface="Open Sans Semibold" panose="020B0706030804020204" pitchFamily="34" charset="0"/>
+              <a:cs typeface="Open Sans Semibold" panose="020B0706030804020204" pitchFamily="34" charset="0"/>
+            </a:endParaRPr>
+          </a:p>
+          <a:p>
+            <a:pPr marL="342900" indent="-342900">
+              <a:buFont typeface="Arial" panose="020B0604020202020204" pitchFamily="34" charset="0"/>
+              <a:buChar char="•"/>
+            </a:pPr>
+            <a:r>
+              <a:rPr lang="en-US" sz="2000" spc="300" dirty="0" smtClean="0">
+                <a:solidFill>
+                  <a:schemeClr val="tx1">
+                    <a:lumMod val="65000"/>
+                    <a:lumOff val="35000"/>
+                  </a:schemeClr>
+                </a:solidFill>
+                <a:ea typeface="Open Sans Semibold" panose="020B0706030804020204" pitchFamily="34" charset="0"/>
+                <a:cs typeface="Open Sans Semibold" panose="020B0706030804020204" pitchFamily="34" charset="0"/>
+              </a:rPr>
+              <a:t>Based </a:t>
+            </a:r>
+            <a:r>
+              <a:rPr lang="en-US" sz="2000" spc="300" dirty="0">
+                <a:solidFill>
+                  <a:schemeClr val="tx1">
+                    <a:lumMod val="65000"/>
+                    <a:lumOff val="35000"/>
+                  </a:schemeClr>
+                </a:solidFill>
+                <a:ea typeface="Open Sans Semibold" panose="020B0706030804020204" pitchFamily="34" charset="0"/>
+                <a:cs typeface="Open Sans Semibold" panose="020B0706030804020204" pitchFamily="34" charset="0"/>
+              </a:rPr>
+              <a:t>on scrape data </a:t>
+            </a:r>
+            <a:r>
+              <a:rPr lang="en-US" sz="2000" spc="300" dirty="0" err="1">
+                <a:solidFill>
+                  <a:schemeClr val="tx1">
+                    <a:lumMod val="65000"/>
+                    <a:lumOff val="35000"/>
+                  </a:schemeClr>
+                </a:solidFill>
+                <a:ea typeface="Open Sans Semibold" panose="020B0706030804020204" pitchFamily="34" charset="0"/>
+                <a:cs typeface="Open Sans Semibold" panose="020B0706030804020204" pitchFamily="34" charset="0"/>
+              </a:rPr>
+              <a:t>Twitionary</a:t>
+            </a:r>
+            <a:r>
+              <a:rPr lang="en-US" sz="2000" spc="300" dirty="0">
+                <a:solidFill>
+                  <a:schemeClr val="tx1">
+                    <a:lumMod val="65000"/>
+                    <a:lumOff val="35000"/>
+                  </a:schemeClr>
+                </a:solidFill>
+                <a:ea typeface="Open Sans Semibold" panose="020B0706030804020204" pitchFamily="34" charset="0"/>
+                <a:cs typeface="Open Sans Semibold" panose="020B0706030804020204" pitchFamily="34" charset="0"/>
+              </a:rPr>
+              <a:t> ML module perform sentiment analysis, the platform is hosted on Google cloud </a:t>
+            </a:r>
+            <a:r>
+              <a:rPr lang="en-US" sz="2000" spc="300" dirty="0" smtClean="0">
+                <a:solidFill>
+                  <a:schemeClr val="tx1">
+                    <a:lumMod val="65000"/>
+                    <a:lumOff val="35000"/>
+                  </a:schemeClr>
+                </a:solidFill>
+                <a:ea typeface="Open Sans Semibold" panose="020B0706030804020204" pitchFamily="34" charset="0"/>
+                <a:cs typeface="Open Sans Semibold" panose="020B0706030804020204" pitchFamily="34" charset="0"/>
+              </a:rPr>
+              <a:t>server</a:t>
+            </a:r>
+          </a:p>
+          <a:p>
+            <a:pPr algn="ctr"/>
+            <a:r>
+              <a:rPr lang="en-US" sz="2000" spc="300" dirty="0" smtClean="0">
+                <a:solidFill>
+                  <a:schemeClr val="tx1">
+                    <a:lumMod val="65000"/>
+                    <a:lumOff val="35000"/>
+                  </a:schemeClr>
+                </a:solidFill>
+                <a:ea typeface="Open Sans Semibold" panose="020B0706030804020204" pitchFamily="34" charset="0"/>
+                <a:cs typeface="Open Sans Semibold" panose="020B0706030804020204" pitchFamily="34" charset="0"/>
+              </a:rPr>
+              <a:t> </a:t>
             </a:r>
             <a:endParaRPr lang="en-US" sz="1600" spc="300" dirty="0">
               <a:solidFill>
@@ -5989,33 +6339,7 @@
                 <a:ea typeface="Open Sans Semibold" panose="020B0706030804020204" pitchFamily="34" charset="0"/>
                 <a:cs typeface="Open Sans Semibold" panose="020B0706030804020204" pitchFamily="34" charset="0"/>
               </a:rPr>
-              <a:t>©</a:t>
-            </a:r>
-            <a:r>
-              <a:rPr lang="en-US" sz="1100" spc="300" dirty="0" smtClean="0">
-                <a:solidFill>
-                  <a:schemeClr val="bg1">
-                    <a:lumMod val="65000"/>
-                  </a:schemeClr>
-                </a:solidFill>
-                <a:latin typeface="Open Sans Semibold" panose="020B0706030804020204" pitchFamily="34" charset="0"/>
-                <a:ea typeface="Open Sans Semibold" panose="020B0706030804020204" pitchFamily="34" charset="0"/>
-                <a:cs typeface="Open Sans Semibold" panose="020B0706030804020204" pitchFamily="34" charset="0"/>
-              </a:rPr>
-              <a:t>Mobilise</a:t>
-            </a:r>
-            <a:r>
-              <a:rPr lang="en-US" sz="1100" spc="300" dirty="0" smtClean="0">
-                <a:solidFill>
-                  <a:schemeClr val="bg1">
-                    <a:lumMod val="65000"/>
-                  </a:schemeClr>
-                </a:solidFill>
-                <a:latin typeface="Open Sans Semibold" panose="020B0706030804020204" pitchFamily="34" charset="0"/>
-                <a:ea typeface="Open Sans Semibold" panose="020B0706030804020204" pitchFamily="34" charset="0"/>
-                <a:cs typeface="Open Sans Semibold" panose="020B0706030804020204" pitchFamily="34" charset="0"/>
-              </a:rPr>
-              <a:t>, </a:t>
+              <a:t>©Mobilise, </a:t>
             </a:r>
             <a:r>
               <a:rPr lang="en-US" sz="1100" spc="300" dirty="0">
@@ -6043,44 +6367,262 @@
           </a:p>
         </p:txBody>
       </p:sp>
-      <p:pic>
-        <p:nvPicPr>
-          <p:cNvPr id="10" name="Picture 9"/>
-          <p:cNvPicPr/>
+      <p:grpSp>
+        <p:nvGrpSpPr>
+          <p:cNvPr id="6" name="Group 5"/>
+          <p:cNvGrpSpPr/>
           <p:nvPr/>
-        </p:nvPicPr>
-        <p:blipFill>
-          <a:blip r:embed="rId3">
-            <a:extLst>
-              <a:ext uri="{28A0092B-C50C-407E-A947-70E740481C1C}">
-                <a14:useLocalDpi xmlns:a14="http://schemas.microsoft.com/office/drawing/2010/main" val="0"/>
-              </a:ext>
-            </a:extLst>
-          </a:blip>
-          <a:stretch>
-            <a:fillRect/>
-          </a:stretch>
-        </p:blipFill>
+        </p:nvGrpSpPr>
+        <p:grpSpPr>
+          <a:xfrm>
+            <a:off x="0" y="-1"/>
+            <a:ext cx="1423116" cy="772733"/>
+            <a:chOff x="0" y="-1"/>
+            <a:chExt cx="1423116" cy="772733"/>
+          </a:xfrm>
+        </p:grpSpPr>
+        <p:sp>
+          <p:nvSpPr>
+            <p:cNvPr id="7" name="Rectangle 1"/>
+            <p:cNvSpPr/>
+            <p:nvPr/>
+          </p:nvSpPr>
+          <p:spPr>
+            <a:xfrm>
+              <a:off x="0" y="-1"/>
+              <a:ext cx="1371600" cy="772733"/>
+            </a:xfrm>
+            <a:custGeom>
+              <a:avLst/>
+              <a:gdLst>
+                <a:gd name="connsiteX0" fmla="*/ 0 w 1429555"/>
+                <a:gd name="connsiteY0" fmla="*/ 0 h 734096"/>
+                <a:gd name="connsiteX1" fmla="*/ 1429555 w 1429555"/>
+                <a:gd name="connsiteY1" fmla="*/ 0 h 734096"/>
+                <a:gd name="connsiteX2" fmla="*/ 1429555 w 1429555"/>
+                <a:gd name="connsiteY2" fmla="*/ 734096 h 734096"/>
+                <a:gd name="connsiteX3" fmla="*/ 0 w 1429555"/>
+                <a:gd name="connsiteY3" fmla="*/ 734096 h 734096"/>
+                <a:gd name="connsiteX4" fmla="*/ 0 w 1429555"/>
+                <a:gd name="connsiteY4" fmla="*/ 0 h 734096"/>
+                <a:gd name="connsiteX0" fmla="*/ 0 w 1429555"/>
+                <a:gd name="connsiteY0" fmla="*/ 0 h 746975"/>
+                <a:gd name="connsiteX1" fmla="*/ 1429555 w 1429555"/>
+                <a:gd name="connsiteY1" fmla="*/ 0 h 746975"/>
+                <a:gd name="connsiteX2" fmla="*/ 914400 w 1429555"/>
+                <a:gd name="connsiteY2" fmla="*/ 746975 h 746975"/>
+                <a:gd name="connsiteX3" fmla="*/ 0 w 1429555"/>
+                <a:gd name="connsiteY3" fmla="*/ 734096 h 746975"/>
+                <a:gd name="connsiteX4" fmla="*/ 0 w 1429555"/>
+                <a:gd name="connsiteY4" fmla="*/ 0 h 746975"/>
+              </a:gdLst>
+              <a:ahLst/>
+              <a:cxnLst>
+                <a:cxn ang="0">
+                  <a:pos x="connsiteX0" y="connsiteY0"/>
+                </a:cxn>
+                <a:cxn ang="0">
+                  <a:pos x="connsiteX1" y="connsiteY1"/>
+                </a:cxn>
+                <a:cxn ang="0">
+                  <a:pos x="connsiteX2" y="connsiteY2"/>
+                </a:cxn>
+                <a:cxn ang="0">
+                  <a:pos x="connsiteX3" y="connsiteY3"/>
+                </a:cxn>
+                <a:cxn ang="0">
+                  <a:pos x="connsiteX4" y="connsiteY4"/>
+                </a:cxn>
+              </a:cxnLst>
+              <a:rect l="l" t="t" r="r" b="b"/>
+              <a:pathLst>
+                <a:path w="1429555" h="746975">
+                  <a:moveTo>
+                    <a:pt x="0" y="0"/>
+                  </a:moveTo>
+                  <a:lnTo>
+                    <a:pt x="1429555" y="0"/>
+                  </a:lnTo>
+                  <a:lnTo>
+                    <a:pt x="914400" y="746975"/>
+                  </a:lnTo>
+                  <a:lnTo>
+                    <a:pt x="0" y="734096"/>
+                  </a:lnTo>
+                  <a:lnTo>
+                    <a:pt x="0" y="0"/>
+                  </a:lnTo>
+                  <a:close/>
+                </a:path>
+              </a:pathLst>
+            </a:custGeom>
+            <a:solidFill>
+              <a:srgbClr val="FFD42A"/>
+            </a:solidFill>
+            <a:ln>
+              <a:noFill/>
+            </a:ln>
+          </p:spPr>
+          <p:style>
+            <a:lnRef idx="2">
+              <a:schemeClr val="accent1">
+                <a:shade val="50000"/>
+              </a:schemeClr>
+            </a:lnRef>
+            <a:fillRef idx="1">
+              <a:schemeClr val="accent1"/>
+            </a:fillRef>
+            <a:effectRef idx="0">
+              <a:schemeClr val="accent1"/>
+            </a:effectRef>
+            <a:fontRef idx="minor">
+              <a:schemeClr val="lt1"/>
+            </a:fontRef>
+          </p:style>
+          <p:txBody>
+            <a:bodyPr rtlCol="0" anchor="ctr"/>
+            <a:lstStyle/>
+            <a:p>
+              <a:pPr algn="ctr"/>
+              <a:endParaRPr lang="en-US"/>
+            </a:p>
+          </p:txBody>
+        </p:sp>
+        <p:cxnSp>
+          <p:nvCxnSpPr>
+            <p:cNvPr id="8" name="Straight Connector 7"/>
+            <p:cNvCxnSpPr/>
+            <p:nvPr/>
+          </p:nvCxnSpPr>
+          <p:spPr>
+            <a:xfrm flipH="1">
+              <a:off x="928846" y="0"/>
+              <a:ext cx="494270" cy="772732"/>
+            </a:xfrm>
+            <a:prstGeom prst="line">
+              <a:avLst/>
+            </a:prstGeom>
+            <a:ln w="28575">
+              <a:solidFill>
+                <a:schemeClr val="tx1">
+                  <a:lumMod val="85000"/>
+                  <a:lumOff val="15000"/>
+                </a:schemeClr>
+              </a:solidFill>
+            </a:ln>
+          </p:spPr>
+          <p:style>
+            <a:lnRef idx="1">
+              <a:schemeClr val="accent1"/>
+            </a:lnRef>
+            <a:fillRef idx="0">
+              <a:schemeClr val="accent1"/>
+            </a:fillRef>
+            <a:effectRef idx="0">
+              <a:schemeClr val="accent1"/>
+            </a:effectRef>
+            <a:fontRef idx="minor">
+              <a:schemeClr val="tx1"/>
+            </a:fontRef>
+          </p:style>
+        </p:cxnSp>
+      </p:grpSp>
+      <p:sp>
+        <p:nvSpPr>
+          <p:cNvPr id="9" name="Rectangle 8"/>
+          <p:cNvSpPr/>
+          <p:nvPr/>
+        </p:nvSpPr>
         <p:spPr>
           <a:xfrm>
-            <a:off x="1271464" y="2778386"/>
-            <a:ext cx="9613006" cy="3392770"/>
+            <a:off x="1305920" y="209105"/>
+            <a:ext cx="2363980" cy="461665"/>
           </a:xfrm>
           <a:prstGeom prst="rect">
             <a:avLst/>
           </a:prstGeom>
-          <a:ln>
-            <a:noFill/>
-          </a:ln>
-          <a:effectLst>
-            <a:outerShdw blurRad="292100" dist="139700" dir="2700000" algn="tl" rotWithShape="0">
-              <a:srgbClr val="333333">
-                <a:alpha val="65000"/>
-              </a:srgbClr>
-            </a:outerShdw>
-          </a:effectLst>
         </p:spPr>
-      </p:pic>
+        <p:txBody>
+          <a:bodyPr wrap="none">
+            <a:spAutoFit/>
+          </a:bodyPr>
+          <a:lstStyle/>
+          <a:p>
+            <a:r>
+              <a:rPr lang="en-US" sz="2400" b="1" spc="300" dirty="0" smtClean="0">
+                <a:solidFill>
+                  <a:schemeClr val="tx1">
+                    <a:lumMod val="85000"/>
+                    <a:lumOff val="15000"/>
+                  </a:schemeClr>
+                </a:solidFill>
+                <a:ea typeface="Roboto" panose="02000000000000000000" pitchFamily="2" charset="0"/>
+                <a:cs typeface="Roboto" panose="02000000000000000000" pitchFamily="2" charset="0"/>
+              </a:rPr>
+              <a:t>How it Works</a:t>
+            </a:r>
+            <a:endParaRPr lang="en-US" sz="2400" b="1" spc="300" dirty="0">
+              <a:solidFill>
+                <a:schemeClr val="tx1">
+                  <a:lumMod val="85000"/>
+                  <a:lumOff val="15000"/>
+                </a:schemeClr>
+              </a:solidFill>
+              <a:ea typeface="Roboto" panose="02000000000000000000" pitchFamily="2" charset="0"/>
+              <a:cs typeface="Roboto" panose="02000000000000000000" pitchFamily="2" charset="0"/>
+            </a:endParaRPr>
+          </a:p>
+        </p:txBody>
+      </p:sp>
+      <p:sp>
+        <p:nvSpPr>
+          <p:cNvPr id="2" name="Rectangle 1"/>
+          <p:cNvSpPr/>
+          <p:nvPr/>
+        </p:nvSpPr>
+        <p:spPr>
+          <a:xfrm>
+            <a:off x="4165851" y="6247301"/>
+            <a:ext cx="3755772" cy="369332"/>
+          </a:xfrm>
+          <a:prstGeom prst="rect">
+            <a:avLst/>
+          </a:prstGeom>
+        </p:spPr>
+        <p:txBody>
+          <a:bodyPr wrap="none">
+            <a:spAutoFit/>
+          </a:bodyPr>
+          <a:lstStyle/>
+          <a:p>
+            <a:pPr algn="ctr"/>
+            <a:r>
+              <a:rPr lang="en-US" spc="300" dirty="0">
+                <a:solidFill>
+                  <a:schemeClr val="tx1">
+                    <a:lumMod val="65000"/>
+                    <a:lumOff val="35000"/>
+                  </a:schemeClr>
+                </a:solidFill>
+                <a:ea typeface="Open Sans Semibold" panose="020B0706030804020204" pitchFamily="34" charset="0"/>
+                <a:cs typeface="Open Sans Semibold" panose="020B0706030804020204" pitchFamily="34" charset="0"/>
+                <a:hlinkClick r:id="rId2"/>
+              </a:rPr>
+              <a:t>http://34.68.136.134/blog/</a:t>
+            </a:r>
+            <a:endParaRPr lang="en-US" spc="300" dirty="0">
+              <a:solidFill>
+                <a:schemeClr val="tx1">
+                  <a:lumMod val="65000"/>
+                  <a:lumOff val="35000"/>
+                </a:schemeClr>
+              </a:solidFill>
+              <a:ea typeface="Open Sans Semibold" panose="020B0706030804020204" pitchFamily="34" charset="0"/>
+              <a:cs typeface="Open Sans Semibold" panose="020B0706030804020204" pitchFamily="34" charset="0"/>
+            </a:endParaRPr>
+          </a:p>
+        </p:txBody>
+      </p:sp>
     </p:spTree>
     <p:extLst>
       <p:ext uri="{BB962C8B-B14F-4D97-AF65-F5344CB8AC3E}">
@@ -6104,6 +6646,2475 @@
 <file path=ppt/slides/slide5.xml><?xml version="1.0" encoding="utf-8"?>
 <p:sld xmlns:a="http://schemas.openxmlformats.org/drawingml/2006/main" xmlns:r="http://schemas.openxmlformats.org/officeDocument/2006/relationships" xmlns:p="http://schemas.openxmlformats.org/presentationml/2006/main">
   <p:cSld>
+    <p:bg>
+      <p:bgPr>
+        <a:solidFill>
+          <a:schemeClr val="bg1"/>
+        </a:solidFill>
+        <a:effectLst/>
+      </p:bgPr>
+    </p:bg>
+    <p:spTree>
+      <p:nvGrpSpPr>
+        <p:cNvPr id="1" name=""/>
+        <p:cNvGrpSpPr/>
+        <p:nvPr/>
+      </p:nvGrpSpPr>
+      <p:grpSpPr>
+        <a:xfrm>
+          <a:off x="0" y="0"/>
+          <a:ext cx="0" cy="0"/>
+          <a:chOff x="0" y="0"/>
+          <a:chExt cx="0" cy="0"/>
+        </a:xfrm>
+      </p:grpSpPr>
+      <p:grpSp>
+        <p:nvGrpSpPr>
+          <p:cNvPr id="9" name="Group 8"/>
+          <p:cNvGrpSpPr/>
+          <p:nvPr/>
+        </p:nvGrpSpPr>
+        <p:grpSpPr>
+          <a:xfrm>
+            <a:off x="0" y="-1"/>
+            <a:ext cx="1423116" cy="772733"/>
+            <a:chOff x="0" y="-1"/>
+            <a:chExt cx="1423116" cy="772733"/>
+          </a:xfrm>
+        </p:grpSpPr>
+        <p:sp>
+          <p:nvSpPr>
+            <p:cNvPr id="7" name="Rectangle 1"/>
+            <p:cNvSpPr/>
+            <p:nvPr/>
+          </p:nvSpPr>
+          <p:spPr>
+            <a:xfrm>
+              <a:off x="0" y="-1"/>
+              <a:ext cx="1371600" cy="772733"/>
+            </a:xfrm>
+            <a:custGeom>
+              <a:avLst/>
+              <a:gdLst>
+                <a:gd name="connsiteX0" fmla="*/ 0 w 1429555"/>
+                <a:gd name="connsiteY0" fmla="*/ 0 h 734096"/>
+                <a:gd name="connsiteX1" fmla="*/ 1429555 w 1429555"/>
+                <a:gd name="connsiteY1" fmla="*/ 0 h 734096"/>
+                <a:gd name="connsiteX2" fmla="*/ 1429555 w 1429555"/>
+                <a:gd name="connsiteY2" fmla="*/ 734096 h 734096"/>
+                <a:gd name="connsiteX3" fmla="*/ 0 w 1429555"/>
+                <a:gd name="connsiteY3" fmla="*/ 734096 h 734096"/>
+                <a:gd name="connsiteX4" fmla="*/ 0 w 1429555"/>
+                <a:gd name="connsiteY4" fmla="*/ 0 h 734096"/>
+                <a:gd name="connsiteX0" fmla="*/ 0 w 1429555"/>
+                <a:gd name="connsiteY0" fmla="*/ 0 h 746975"/>
+                <a:gd name="connsiteX1" fmla="*/ 1429555 w 1429555"/>
+                <a:gd name="connsiteY1" fmla="*/ 0 h 746975"/>
+                <a:gd name="connsiteX2" fmla="*/ 914400 w 1429555"/>
+                <a:gd name="connsiteY2" fmla="*/ 746975 h 746975"/>
+                <a:gd name="connsiteX3" fmla="*/ 0 w 1429555"/>
+                <a:gd name="connsiteY3" fmla="*/ 734096 h 746975"/>
+                <a:gd name="connsiteX4" fmla="*/ 0 w 1429555"/>
+                <a:gd name="connsiteY4" fmla="*/ 0 h 746975"/>
+              </a:gdLst>
+              <a:ahLst/>
+              <a:cxnLst>
+                <a:cxn ang="0">
+                  <a:pos x="connsiteX0" y="connsiteY0"/>
+                </a:cxn>
+                <a:cxn ang="0">
+                  <a:pos x="connsiteX1" y="connsiteY1"/>
+                </a:cxn>
+                <a:cxn ang="0">
+                  <a:pos x="connsiteX2" y="connsiteY2"/>
+                </a:cxn>
+                <a:cxn ang="0">
+                  <a:pos x="connsiteX3" y="connsiteY3"/>
+                </a:cxn>
+                <a:cxn ang="0">
+                  <a:pos x="connsiteX4" y="connsiteY4"/>
+                </a:cxn>
+              </a:cxnLst>
+              <a:rect l="l" t="t" r="r" b="b"/>
+              <a:pathLst>
+                <a:path w="1429555" h="746975">
+                  <a:moveTo>
+                    <a:pt x="0" y="0"/>
+                  </a:moveTo>
+                  <a:lnTo>
+                    <a:pt x="1429555" y="0"/>
+                  </a:lnTo>
+                  <a:lnTo>
+                    <a:pt x="914400" y="746975"/>
+                  </a:lnTo>
+                  <a:lnTo>
+                    <a:pt x="0" y="734096"/>
+                  </a:lnTo>
+                  <a:lnTo>
+                    <a:pt x="0" y="0"/>
+                  </a:lnTo>
+                  <a:close/>
+                </a:path>
+              </a:pathLst>
+            </a:custGeom>
+            <a:solidFill>
+              <a:srgbClr val="FFD42A"/>
+            </a:solidFill>
+            <a:ln>
+              <a:noFill/>
+            </a:ln>
+          </p:spPr>
+          <p:style>
+            <a:lnRef idx="2">
+              <a:schemeClr val="accent1">
+                <a:shade val="50000"/>
+              </a:schemeClr>
+            </a:lnRef>
+            <a:fillRef idx="1">
+              <a:schemeClr val="accent1"/>
+            </a:fillRef>
+            <a:effectRef idx="0">
+              <a:schemeClr val="accent1"/>
+            </a:effectRef>
+            <a:fontRef idx="minor">
+              <a:schemeClr val="lt1"/>
+            </a:fontRef>
+          </p:style>
+          <p:txBody>
+            <a:bodyPr rtlCol="0" anchor="ctr"/>
+            <a:lstStyle/>
+            <a:p>
+              <a:pPr algn="ctr"/>
+              <a:endParaRPr lang="en-US"/>
+            </a:p>
+          </p:txBody>
+        </p:sp>
+        <p:cxnSp>
+          <p:nvCxnSpPr>
+            <p:cNvPr id="4" name="Straight Connector 3"/>
+            <p:cNvCxnSpPr/>
+            <p:nvPr/>
+          </p:nvCxnSpPr>
+          <p:spPr>
+            <a:xfrm flipH="1">
+              <a:off x="928846" y="0"/>
+              <a:ext cx="494270" cy="772732"/>
+            </a:xfrm>
+            <a:prstGeom prst="line">
+              <a:avLst/>
+            </a:prstGeom>
+            <a:ln w="28575">
+              <a:solidFill>
+                <a:schemeClr val="tx1">
+                  <a:lumMod val="85000"/>
+                  <a:lumOff val="15000"/>
+                </a:schemeClr>
+              </a:solidFill>
+            </a:ln>
+          </p:spPr>
+          <p:style>
+            <a:lnRef idx="1">
+              <a:schemeClr val="accent1"/>
+            </a:lnRef>
+            <a:fillRef idx="0">
+              <a:schemeClr val="accent1"/>
+            </a:fillRef>
+            <a:effectRef idx="0">
+              <a:schemeClr val="accent1"/>
+            </a:effectRef>
+            <a:fontRef idx="minor">
+              <a:schemeClr val="tx1"/>
+            </a:fontRef>
+          </p:style>
+        </p:cxnSp>
+      </p:grpSp>
+      <p:grpSp>
+        <p:nvGrpSpPr>
+          <p:cNvPr id="76" name="Group 75"/>
+          <p:cNvGrpSpPr/>
+          <p:nvPr/>
+        </p:nvGrpSpPr>
+        <p:grpSpPr>
+          <a:xfrm>
+            <a:off x="8614817" y="2007505"/>
+            <a:ext cx="3089400" cy="1916536"/>
+            <a:chOff x="7973366" y="369760"/>
+            <a:chExt cx="3089400" cy="1916536"/>
+          </a:xfrm>
+        </p:grpSpPr>
+        <p:pic>
+          <p:nvPicPr>
+            <p:cNvPr id="2" name="Picture 1"/>
+            <p:cNvPicPr>
+              <a:picLocks noChangeAspect="1"/>
+            </p:cNvPicPr>
+            <p:nvPr/>
+          </p:nvPicPr>
+          <p:blipFill>
+            <a:blip r:embed="rId2" cstate="print">
+              <a:extLst>
+                <a:ext uri="{28A0092B-C50C-407E-A947-70E740481C1C}">
+                  <a14:useLocalDpi xmlns:a14="http://schemas.microsoft.com/office/drawing/2010/main" val="0"/>
+                </a:ext>
+              </a:extLst>
+            </a:blip>
+            <a:stretch>
+              <a:fillRect/>
+            </a:stretch>
+          </p:blipFill>
+          <p:spPr>
+            <a:xfrm>
+              <a:off x="9608328" y="850711"/>
+              <a:ext cx="640080" cy="640080"/>
+            </a:xfrm>
+            <a:prstGeom prst="rect">
+              <a:avLst/>
+            </a:prstGeom>
+          </p:spPr>
+        </p:pic>
+        <p:pic>
+          <p:nvPicPr>
+            <p:cNvPr id="54" name="Picture 53"/>
+            <p:cNvPicPr>
+              <a:picLocks noChangeAspect="1"/>
+            </p:cNvPicPr>
+            <p:nvPr/>
+          </p:nvPicPr>
+          <p:blipFill>
+            <a:blip r:embed="rId3">
+              <a:extLst>
+                <a:ext uri="{28A0092B-C50C-407E-A947-70E740481C1C}">
+                  <a14:useLocalDpi xmlns:a14="http://schemas.microsoft.com/office/drawing/2010/main" val="0"/>
+                </a:ext>
+              </a:extLst>
+            </a:blip>
+            <a:stretch>
+              <a:fillRect/>
+            </a:stretch>
+          </p:blipFill>
+          <p:spPr>
+            <a:xfrm>
+              <a:off x="10422686" y="1175528"/>
+              <a:ext cx="640080" cy="640080"/>
+            </a:xfrm>
+            <a:prstGeom prst="rect">
+              <a:avLst/>
+            </a:prstGeom>
+          </p:spPr>
+        </p:pic>
+        <p:pic>
+          <p:nvPicPr>
+            <p:cNvPr id="55" name="Picture 54"/>
+            <p:cNvPicPr>
+              <a:picLocks noChangeAspect="1"/>
+            </p:cNvPicPr>
+            <p:nvPr/>
+          </p:nvPicPr>
+          <p:blipFill>
+            <a:blip r:embed="rId4" cstate="print">
+              <a:extLst>
+                <a:ext uri="{28A0092B-C50C-407E-A947-70E740481C1C}">
+                  <a14:useLocalDpi xmlns:a14="http://schemas.microsoft.com/office/drawing/2010/main" val="0"/>
+                </a:ext>
+              </a:extLst>
+            </a:blip>
+            <a:stretch>
+              <a:fillRect/>
+            </a:stretch>
+          </p:blipFill>
+          <p:spPr>
+            <a:xfrm>
+              <a:off x="9728985" y="1646216"/>
+              <a:ext cx="640080" cy="640080"/>
+            </a:xfrm>
+            <a:prstGeom prst="rect">
+              <a:avLst/>
+            </a:prstGeom>
+          </p:spPr>
+        </p:pic>
+        <p:pic>
+          <p:nvPicPr>
+            <p:cNvPr id="56" name="Picture 55"/>
+            <p:cNvPicPr>
+              <a:picLocks noChangeAspect="1"/>
+            </p:cNvPicPr>
+            <p:nvPr/>
+          </p:nvPicPr>
+          <p:blipFill>
+            <a:blip r:embed="rId5" cstate="print">
+              <a:extLst>
+                <a:ext uri="{28A0092B-C50C-407E-A947-70E740481C1C}">
+                  <a14:useLocalDpi xmlns:a14="http://schemas.microsoft.com/office/drawing/2010/main" val="0"/>
+                </a:ext>
+              </a:extLst>
+            </a:blip>
+            <a:stretch>
+              <a:fillRect/>
+            </a:stretch>
+          </p:blipFill>
+          <p:spPr>
+            <a:xfrm>
+              <a:off x="10330296" y="369760"/>
+              <a:ext cx="640080" cy="640080"/>
+            </a:xfrm>
+            <a:prstGeom prst="rect">
+              <a:avLst/>
+            </a:prstGeom>
+          </p:spPr>
+        </p:pic>
+        <p:cxnSp>
+          <p:nvCxnSpPr>
+            <p:cNvPr id="5" name="Straight Connector 4"/>
+            <p:cNvCxnSpPr/>
+            <p:nvPr/>
+          </p:nvCxnSpPr>
+          <p:spPr>
+            <a:xfrm flipH="1">
+              <a:off x="7973366" y="573206"/>
+              <a:ext cx="2356930" cy="1114326"/>
+            </a:xfrm>
+            <a:prstGeom prst="line">
+              <a:avLst/>
+            </a:prstGeom>
+            <a:ln w="3810" cmpd="sng">
+              <a:solidFill>
+                <a:schemeClr val="accent1">
+                  <a:alpha val="41000"/>
+                </a:schemeClr>
+              </a:solidFill>
+              <a:prstDash val="lgDashDotDot"/>
+            </a:ln>
+          </p:spPr>
+          <p:style>
+            <a:lnRef idx="1">
+              <a:schemeClr val="accent1"/>
+            </a:lnRef>
+            <a:fillRef idx="0">
+              <a:schemeClr val="accent1"/>
+            </a:fillRef>
+            <a:effectRef idx="0">
+              <a:schemeClr val="accent1"/>
+            </a:effectRef>
+            <a:fontRef idx="minor">
+              <a:schemeClr val="tx1"/>
+            </a:fontRef>
+          </p:style>
+        </p:cxnSp>
+        <p:cxnSp>
+          <p:nvCxnSpPr>
+            <p:cNvPr id="60" name="Straight Connector 59"/>
+            <p:cNvCxnSpPr>
+              <a:stCxn id="2" idx="1"/>
+            </p:cNvCxnSpPr>
+            <p:nvPr/>
+          </p:nvCxnSpPr>
+          <p:spPr>
+            <a:xfrm flipH="1">
+              <a:off x="8039692" y="1170751"/>
+              <a:ext cx="1568636" cy="504498"/>
+            </a:xfrm>
+            <a:prstGeom prst="line">
+              <a:avLst/>
+            </a:prstGeom>
+            <a:ln w="3810" cmpd="sng">
+              <a:solidFill>
+                <a:schemeClr val="accent1">
+                  <a:alpha val="41000"/>
+                </a:schemeClr>
+              </a:solidFill>
+              <a:prstDash val="lgDashDotDot"/>
+            </a:ln>
+          </p:spPr>
+          <p:style>
+            <a:lnRef idx="1">
+              <a:schemeClr val="accent1"/>
+            </a:lnRef>
+            <a:fillRef idx="0">
+              <a:schemeClr val="accent1"/>
+            </a:fillRef>
+            <a:effectRef idx="0">
+              <a:schemeClr val="accent1"/>
+            </a:effectRef>
+            <a:fontRef idx="minor">
+              <a:schemeClr val="tx1"/>
+            </a:fontRef>
+          </p:style>
+        </p:cxnSp>
+        <p:cxnSp>
+          <p:nvCxnSpPr>
+            <p:cNvPr id="63" name="Straight Connector 62"/>
+            <p:cNvCxnSpPr>
+              <a:stCxn id="54" idx="1"/>
+            </p:cNvCxnSpPr>
+            <p:nvPr/>
+          </p:nvCxnSpPr>
+          <p:spPr>
+            <a:xfrm flipH="1">
+              <a:off x="8046814" y="1495568"/>
+              <a:ext cx="2375872" cy="156056"/>
+            </a:xfrm>
+            <a:prstGeom prst="line">
+              <a:avLst/>
+            </a:prstGeom>
+            <a:ln w="3810" cmpd="sng">
+              <a:solidFill>
+                <a:schemeClr val="accent1">
+                  <a:alpha val="41000"/>
+                </a:schemeClr>
+              </a:solidFill>
+              <a:prstDash val="lgDashDotDot"/>
+            </a:ln>
+          </p:spPr>
+          <p:style>
+            <a:lnRef idx="1">
+              <a:schemeClr val="accent1"/>
+            </a:lnRef>
+            <a:fillRef idx="0">
+              <a:schemeClr val="accent1"/>
+            </a:fillRef>
+            <a:effectRef idx="0">
+              <a:schemeClr val="accent1"/>
+            </a:effectRef>
+            <a:fontRef idx="minor">
+              <a:schemeClr val="tx1"/>
+            </a:fontRef>
+          </p:style>
+        </p:cxnSp>
+        <p:cxnSp>
+          <p:nvCxnSpPr>
+            <p:cNvPr id="66" name="Straight Connector 65"/>
+            <p:cNvCxnSpPr/>
+            <p:nvPr/>
+          </p:nvCxnSpPr>
+          <p:spPr>
+            <a:xfrm flipH="1" flipV="1">
+              <a:off x="8062638" y="1699815"/>
+              <a:ext cx="1666347" cy="252793"/>
+            </a:xfrm>
+            <a:prstGeom prst="line">
+              <a:avLst/>
+            </a:prstGeom>
+            <a:ln w="3810" cmpd="sng">
+              <a:solidFill>
+                <a:schemeClr val="accent1">
+                  <a:alpha val="41000"/>
+                </a:schemeClr>
+              </a:solidFill>
+              <a:prstDash val="lgDashDotDot"/>
+            </a:ln>
+          </p:spPr>
+          <p:style>
+            <a:lnRef idx="1">
+              <a:schemeClr val="accent1"/>
+            </a:lnRef>
+            <a:fillRef idx="0">
+              <a:schemeClr val="accent1"/>
+            </a:fillRef>
+            <a:effectRef idx="0">
+              <a:schemeClr val="accent1"/>
+            </a:effectRef>
+            <a:fontRef idx="minor">
+              <a:schemeClr val="tx1"/>
+            </a:fontRef>
+          </p:style>
+        </p:cxnSp>
+      </p:grpSp>
+      <p:grpSp>
+        <p:nvGrpSpPr>
+          <p:cNvPr id="24" name="Group 23"/>
+          <p:cNvGrpSpPr/>
+          <p:nvPr/>
+        </p:nvGrpSpPr>
+        <p:grpSpPr>
+          <a:xfrm>
+            <a:off x="5445458" y="3231175"/>
+            <a:ext cx="3196649" cy="182880"/>
+            <a:chOff x="4804012" y="2480538"/>
+            <a:chExt cx="3196649" cy="182880"/>
+          </a:xfrm>
+        </p:grpSpPr>
+        <p:cxnSp>
+          <p:nvCxnSpPr>
+            <p:cNvPr id="22" name="Straight Connector 21"/>
+            <p:cNvCxnSpPr/>
+            <p:nvPr/>
+          </p:nvCxnSpPr>
+          <p:spPr>
+            <a:xfrm>
+              <a:off x="4804012" y="2562357"/>
+              <a:ext cx="3196649" cy="12284"/>
+            </a:xfrm>
+            <a:prstGeom prst="line">
+              <a:avLst/>
+            </a:prstGeom>
+            <a:ln w="34925">
+              <a:solidFill>
+                <a:schemeClr val="accent2"/>
+              </a:solidFill>
+            </a:ln>
+          </p:spPr>
+          <p:style>
+            <a:lnRef idx="1">
+              <a:schemeClr val="dk1"/>
+            </a:lnRef>
+            <a:fillRef idx="0">
+              <a:schemeClr val="dk1"/>
+            </a:fillRef>
+            <a:effectRef idx="0">
+              <a:schemeClr val="dk1"/>
+            </a:effectRef>
+            <a:fontRef idx="minor">
+              <a:schemeClr val="tx1"/>
+            </a:fontRef>
+          </p:style>
+        </p:cxnSp>
+        <p:cxnSp>
+          <p:nvCxnSpPr>
+            <p:cNvPr id="75" name="Straight Connector 74"/>
+            <p:cNvCxnSpPr/>
+            <p:nvPr/>
+          </p:nvCxnSpPr>
+          <p:spPr>
+            <a:xfrm rot="5400000" flipV="1">
+              <a:off x="7903487" y="2571977"/>
+              <a:ext cx="182880" cy="1"/>
+            </a:xfrm>
+            <a:prstGeom prst="line">
+              <a:avLst/>
+            </a:prstGeom>
+            <a:ln w="38100">
+              <a:solidFill>
+                <a:schemeClr val="accent2"/>
+              </a:solidFill>
+            </a:ln>
+          </p:spPr>
+          <p:style>
+            <a:lnRef idx="1">
+              <a:schemeClr val="dk1"/>
+            </a:lnRef>
+            <a:fillRef idx="0">
+              <a:schemeClr val="dk1"/>
+            </a:fillRef>
+            <a:effectRef idx="0">
+              <a:schemeClr val="dk1"/>
+            </a:effectRef>
+            <a:fontRef idx="minor">
+              <a:schemeClr val="tx1"/>
+            </a:fontRef>
+          </p:style>
+        </p:cxnSp>
+      </p:grpSp>
+      <p:sp>
+        <p:nvSpPr>
+          <p:cNvPr id="62" name="TextBox 61"/>
+          <p:cNvSpPr txBox="1"/>
+          <p:nvPr/>
+        </p:nvSpPr>
+        <p:spPr>
+          <a:xfrm>
+            <a:off x="4332485" y="3658504"/>
+            <a:ext cx="1479749" cy="307777"/>
+          </a:xfrm>
+          <a:prstGeom prst="rect">
+            <a:avLst/>
+          </a:prstGeom>
+          <a:solidFill>
+            <a:schemeClr val="bg1">
+              <a:lumMod val="95000"/>
+            </a:schemeClr>
+          </a:solidFill>
+          <a:ln>
+            <a:noFill/>
+          </a:ln>
+        </p:spPr>
+        <p:txBody>
+          <a:bodyPr wrap="square" rtlCol="0">
+            <a:spAutoFit/>
+          </a:bodyPr>
+          <a:lstStyle/>
+          <a:p>
+            <a:pPr algn="ctr"/>
+            <a:r>
+              <a:rPr lang="en-IN" sz="1400" dirty="0" smtClean="0">
+                <a:ea typeface="Open Sans Semibold" panose="020B0706030804020204" pitchFamily="34" charset="0"/>
+                <a:cs typeface="Open Sans Semibold" panose="020B0706030804020204" pitchFamily="34" charset="0"/>
+              </a:rPr>
+              <a:t>Data Warehouse </a:t>
+            </a:r>
+            <a:endParaRPr lang="en-IN" sz="1400" dirty="0">
+              <a:ea typeface="Open Sans Semibold" panose="020B0706030804020204" pitchFamily="34" charset="0"/>
+              <a:cs typeface="Open Sans Semibold" panose="020B0706030804020204" pitchFamily="34" charset="0"/>
+            </a:endParaRPr>
+          </a:p>
+        </p:txBody>
+      </p:sp>
+      <p:grpSp>
+        <p:nvGrpSpPr>
+          <p:cNvPr id="27" name="Group 26"/>
+          <p:cNvGrpSpPr/>
+          <p:nvPr/>
+        </p:nvGrpSpPr>
+        <p:grpSpPr>
+          <a:xfrm>
+            <a:off x="6083432" y="1300812"/>
+            <a:ext cx="1266432" cy="1997169"/>
+            <a:chOff x="5480220" y="1214870"/>
+            <a:chExt cx="1266432" cy="1969011"/>
+          </a:xfrm>
+        </p:grpSpPr>
+        <p:pic>
+          <p:nvPicPr>
+            <p:cNvPr id="49" name="Picture 48"/>
+            <p:cNvPicPr>
+              <a:picLocks noChangeAspect="1"/>
+            </p:cNvPicPr>
+            <p:nvPr/>
+          </p:nvPicPr>
+          <p:blipFill>
+            <a:blip r:embed="rId6" cstate="print">
+              <a:extLst>
+                <a:ext uri="{28A0092B-C50C-407E-A947-70E740481C1C}">
+                  <a14:useLocalDpi xmlns:a14="http://schemas.microsoft.com/office/drawing/2010/main" val="0"/>
+                </a:ext>
+              </a:extLst>
+            </a:blip>
+            <a:stretch>
+              <a:fillRect/>
+            </a:stretch>
+          </p:blipFill>
+          <p:spPr>
+            <a:xfrm>
+              <a:off x="5515415" y="1214870"/>
+              <a:ext cx="640080" cy="640081"/>
+            </a:xfrm>
+            <a:prstGeom prst="rect">
+              <a:avLst/>
+            </a:prstGeom>
+          </p:spPr>
+        </p:pic>
+        <p:grpSp>
+          <p:nvGrpSpPr>
+            <p:cNvPr id="25" name="Group 24"/>
+            <p:cNvGrpSpPr/>
+            <p:nvPr/>
+          </p:nvGrpSpPr>
+          <p:grpSpPr>
+            <a:xfrm>
+              <a:off x="5882181" y="1892914"/>
+              <a:ext cx="864471" cy="1290967"/>
+              <a:chOff x="5882181" y="1892914"/>
+              <a:chExt cx="864471" cy="1290967"/>
+            </a:xfrm>
+          </p:grpSpPr>
+          <p:cxnSp>
+            <p:nvCxnSpPr>
+              <p:cNvPr id="48" name="Straight Connector 47"/>
+              <p:cNvCxnSpPr/>
+              <p:nvPr/>
+            </p:nvCxnSpPr>
+            <p:spPr>
+              <a:xfrm flipV="1">
+                <a:off x="6723532" y="2192222"/>
+                <a:ext cx="23120" cy="991659"/>
+              </a:xfrm>
+              <a:prstGeom prst="line">
+                <a:avLst/>
+              </a:prstGeom>
+              <a:ln w="28575">
+                <a:solidFill>
+                  <a:srgbClr val="F29E65"/>
+                </a:solidFill>
+              </a:ln>
+            </p:spPr>
+            <p:style>
+              <a:lnRef idx="1">
+                <a:schemeClr val="dk1"/>
+              </a:lnRef>
+              <a:fillRef idx="0">
+                <a:schemeClr val="dk1"/>
+              </a:fillRef>
+              <a:effectRef idx="0">
+                <a:schemeClr val="dk1"/>
+              </a:effectRef>
+              <a:fontRef idx="minor">
+                <a:schemeClr val="tx1"/>
+              </a:fontRef>
+            </p:style>
+          </p:cxnSp>
+          <p:cxnSp>
+            <p:nvCxnSpPr>
+              <p:cNvPr id="53" name="Straight Connector 52"/>
+              <p:cNvCxnSpPr/>
+              <p:nvPr/>
+            </p:nvCxnSpPr>
+            <p:spPr>
+              <a:xfrm>
+                <a:off x="5882181" y="2177706"/>
+                <a:ext cx="864471" cy="14515"/>
+              </a:xfrm>
+              <a:prstGeom prst="line">
+                <a:avLst/>
+              </a:prstGeom>
+              <a:ln w="25400">
+                <a:solidFill>
+                  <a:srgbClr val="F29E65"/>
+                </a:solidFill>
+              </a:ln>
+            </p:spPr>
+            <p:style>
+              <a:lnRef idx="1">
+                <a:schemeClr val="dk1"/>
+              </a:lnRef>
+              <a:fillRef idx="0">
+                <a:schemeClr val="dk1"/>
+              </a:fillRef>
+              <a:effectRef idx="0">
+                <a:schemeClr val="dk1"/>
+              </a:effectRef>
+              <a:fontRef idx="minor">
+                <a:schemeClr val="tx1"/>
+              </a:fontRef>
+            </p:style>
+          </p:cxnSp>
+          <p:cxnSp>
+            <p:nvCxnSpPr>
+              <p:cNvPr id="58" name="Straight Connector 57"/>
+              <p:cNvCxnSpPr/>
+              <p:nvPr/>
+            </p:nvCxnSpPr>
+            <p:spPr>
+              <a:xfrm flipV="1">
+                <a:off x="5895432" y="1892914"/>
+                <a:ext cx="0" cy="270454"/>
+              </a:xfrm>
+              <a:prstGeom prst="line">
+                <a:avLst/>
+              </a:prstGeom>
+              <a:ln w="25400">
+                <a:solidFill>
+                  <a:srgbClr val="F29E65"/>
+                </a:solidFill>
+              </a:ln>
+            </p:spPr>
+            <p:style>
+              <a:lnRef idx="1">
+                <a:schemeClr val="dk1"/>
+              </a:lnRef>
+              <a:fillRef idx="0">
+                <a:schemeClr val="dk1"/>
+              </a:fillRef>
+              <a:effectRef idx="0">
+                <a:schemeClr val="dk1"/>
+              </a:effectRef>
+              <a:fontRef idx="minor">
+                <a:schemeClr val="tx1"/>
+              </a:fontRef>
+            </p:style>
+          </p:cxnSp>
+        </p:grpSp>
+        <p:sp>
+          <p:nvSpPr>
+            <p:cNvPr id="64" name="TextBox 63"/>
+            <p:cNvSpPr txBox="1"/>
+            <p:nvPr/>
+          </p:nvSpPr>
+          <p:spPr>
+            <a:xfrm>
+              <a:off x="5480220" y="2261639"/>
+              <a:ext cx="1188720" cy="307777"/>
+            </a:xfrm>
+            <a:prstGeom prst="rect">
+              <a:avLst/>
+            </a:prstGeom>
+            <a:solidFill>
+              <a:schemeClr val="bg1">
+                <a:lumMod val="95000"/>
+              </a:schemeClr>
+            </a:solidFill>
+            <a:ln>
+              <a:noFill/>
+            </a:ln>
+          </p:spPr>
+          <p:txBody>
+            <a:bodyPr wrap="square" rtlCol="0">
+              <a:spAutoFit/>
+            </a:bodyPr>
+            <a:lstStyle/>
+            <a:p>
+              <a:pPr algn="ctr"/>
+              <a:r>
+                <a:rPr lang="en-IN" sz="1400" dirty="0" smtClean="0">
+                  <a:ea typeface="Open Sans Semibold" panose="020B0706030804020204" pitchFamily="34" charset="0"/>
+                  <a:cs typeface="Open Sans Semibold" panose="020B0706030804020204" pitchFamily="34" charset="0"/>
+                </a:rPr>
+                <a:t>Social Media </a:t>
+              </a:r>
+              <a:endParaRPr lang="en-IN" sz="1400" dirty="0">
+                <a:ea typeface="Open Sans Semibold" panose="020B0706030804020204" pitchFamily="34" charset="0"/>
+                <a:cs typeface="Open Sans Semibold" panose="020B0706030804020204" pitchFamily="34" charset="0"/>
+              </a:endParaRPr>
+            </a:p>
+          </p:txBody>
+        </p:sp>
+      </p:grpSp>
+      <p:sp>
+        <p:nvSpPr>
+          <p:cNvPr id="65" name="TextBox 64"/>
+          <p:cNvSpPr txBox="1"/>
+          <p:nvPr/>
+        </p:nvSpPr>
+        <p:spPr>
+          <a:xfrm>
+            <a:off x="10370436" y="4075584"/>
+            <a:ext cx="1479749" cy="307777"/>
+          </a:xfrm>
+          <a:prstGeom prst="rect">
+            <a:avLst/>
+          </a:prstGeom>
+          <a:solidFill>
+            <a:schemeClr val="bg1">
+              <a:lumMod val="95000"/>
+            </a:schemeClr>
+          </a:solidFill>
+          <a:ln>
+            <a:noFill/>
+          </a:ln>
+        </p:spPr>
+        <p:txBody>
+          <a:bodyPr wrap="square" rtlCol="0">
+            <a:spAutoFit/>
+          </a:bodyPr>
+          <a:lstStyle/>
+          <a:p>
+            <a:pPr algn="ctr"/>
+            <a:r>
+              <a:rPr lang="en-IN" sz="1400" dirty="0" smtClean="0">
+                <a:ea typeface="Open Sans Semibold" panose="020B0706030804020204" pitchFamily="34" charset="0"/>
+                <a:cs typeface="Open Sans Semibold" panose="020B0706030804020204" pitchFamily="34" charset="0"/>
+              </a:rPr>
+              <a:t>News, Blogs</a:t>
+            </a:r>
+            <a:endParaRPr lang="en-IN" sz="1400" dirty="0">
+              <a:ea typeface="Open Sans Semibold" panose="020B0706030804020204" pitchFamily="34" charset="0"/>
+              <a:cs typeface="Open Sans Semibold" panose="020B0706030804020204" pitchFamily="34" charset="0"/>
+            </a:endParaRPr>
+          </a:p>
+        </p:txBody>
+      </p:sp>
+      <p:pic>
+        <p:nvPicPr>
+          <p:cNvPr id="67" name="Picture 66"/>
+          <p:cNvPicPr>
+            <a:picLocks noChangeAspect="1"/>
+          </p:cNvPicPr>
+          <p:nvPr/>
+        </p:nvPicPr>
+        <p:blipFill>
+          <a:blip r:embed="rId7" cstate="print">
+            <a:extLst>
+              <a:ext uri="{28A0092B-C50C-407E-A947-70E740481C1C}">
+                <a14:useLocalDpi xmlns:a14="http://schemas.microsoft.com/office/drawing/2010/main" val="0"/>
+              </a:ext>
+            </a:extLst>
+          </a:blip>
+          <a:stretch>
+            <a:fillRect/>
+          </a:stretch>
+        </p:blipFill>
+        <p:spPr>
+          <a:xfrm>
+            <a:off x="2176818" y="2602476"/>
+            <a:ext cx="914400" cy="914400"/>
+          </a:xfrm>
+          <a:prstGeom prst="rect">
+            <a:avLst/>
+          </a:prstGeom>
+        </p:spPr>
+      </p:pic>
+      <p:pic>
+        <p:nvPicPr>
+          <p:cNvPr id="68" name="Picture 67"/>
+          <p:cNvPicPr>
+            <a:picLocks noChangeAspect="1"/>
+          </p:cNvPicPr>
+          <p:nvPr/>
+        </p:nvPicPr>
+        <p:blipFill>
+          <a:blip r:embed="rId8" cstate="print">
+            <a:extLst>
+              <a:ext uri="{28A0092B-C50C-407E-A947-70E740481C1C}">
+                <a14:useLocalDpi xmlns:a14="http://schemas.microsoft.com/office/drawing/2010/main" val="0"/>
+              </a:ext>
+            </a:extLst>
+          </a:blip>
+          <a:stretch>
+            <a:fillRect/>
+          </a:stretch>
+        </p:blipFill>
+        <p:spPr>
+          <a:xfrm>
+            <a:off x="1162567" y="2602476"/>
+            <a:ext cx="914400" cy="914400"/>
+          </a:xfrm>
+          <a:prstGeom prst="rect">
+            <a:avLst/>
+          </a:prstGeom>
+        </p:spPr>
+      </p:pic>
+      <p:sp>
+        <p:nvSpPr>
+          <p:cNvPr id="69" name="TextBox 68"/>
+          <p:cNvSpPr txBox="1"/>
+          <p:nvPr/>
+        </p:nvSpPr>
+        <p:spPr>
+          <a:xfrm>
+            <a:off x="633926" y="3658504"/>
+            <a:ext cx="2893509" cy="307777"/>
+          </a:xfrm>
+          <a:prstGeom prst="rect">
+            <a:avLst/>
+          </a:prstGeom>
+          <a:solidFill>
+            <a:schemeClr val="bg1">
+              <a:lumMod val="95000"/>
+            </a:schemeClr>
+          </a:solidFill>
+          <a:ln>
+            <a:noFill/>
+          </a:ln>
+        </p:spPr>
+        <p:txBody>
+          <a:bodyPr wrap="square" rtlCol="0">
+            <a:spAutoFit/>
+          </a:bodyPr>
+          <a:lstStyle/>
+          <a:p>
+            <a:pPr algn="ctr"/>
+            <a:r>
+              <a:rPr lang="en-IN" sz="1400" dirty="0" smtClean="0">
+                <a:ea typeface="Open Sans Semibold" panose="020B0706030804020204" pitchFamily="34" charset="0"/>
+                <a:cs typeface="Open Sans Semibold" panose="020B0706030804020204" pitchFamily="34" charset="0"/>
+              </a:rPr>
+              <a:t>Sentiment, Semantic Analysis NLP </a:t>
+            </a:r>
+            <a:endParaRPr lang="en-IN" sz="1400" dirty="0">
+              <a:ea typeface="Open Sans Semibold" panose="020B0706030804020204" pitchFamily="34" charset="0"/>
+              <a:cs typeface="Open Sans Semibold" panose="020B0706030804020204" pitchFamily="34" charset="0"/>
+            </a:endParaRPr>
+          </a:p>
+        </p:txBody>
+      </p:sp>
+      <p:cxnSp>
+        <p:nvCxnSpPr>
+          <p:cNvPr id="19" name="Straight Arrow Connector 18"/>
+          <p:cNvCxnSpPr/>
+          <p:nvPr/>
+        </p:nvCxnSpPr>
+        <p:spPr>
+          <a:xfrm flipH="1" flipV="1">
+            <a:off x="3196311" y="3266659"/>
+            <a:ext cx="1188720" cy="3133"/>
+          </a:xfrm>
+          <a:prstGeom prst="straightConnector1">
+            <a:avLst/>
+          </a:prstGeom>
+          <a:ln w="25400">
+            <a:solidFill>
+              <a:schemeClr val="accent2"/>
+            </a:solidFill>
+            <a:tailEnd type="triangle"/>
+          </a:ln>
+        </p:spPr>
+        <p:style>
+          <a:lnRef idx="1">
+            <a:schemeClr val="accent1"/>
+          </a:lnRef>
+          <a:fillRef idx="0">
+            <a:schemeClr val="accent1"/>
+          </a:fillRef>
+          <a:effectRef idx="0">
+            <a:schemeClr val="accent1"/>
+          </a:effectRef>
+          <a:fontRef idx="minor">
+            <a:schemeClr val="tx1"/>
+          </a:fontRef>
+        </p:style>
+      </p:cxnSp>
+      <p:cxnSp>
+        <p:nvCxnSpPr>
+          <p:cNvPr id="70" name="Straight Arrow Connector 69"/>
+          <p:cNvCxnSpPr/>
+          <p:nvPr/>
+        </p:nvCxnSpPr>
+        <p:spPr>
+          <a:xfrm>
+            <a:off x="3210745" y="3105336"/>
+            <a:ext cx="1188720" cy="0"/>
+          </a:xfrm>
+          <a:prstGeom prst="straightConnector1">
+            <a:avLst/>
+          </a:prstGeom>
+          <a:ln w="25400">
+            <a:solidFill>
+              <a:schemeClr val="accent2"/>
+            </a:solidFill>
+            <a:tailEnd type="triangle"/>
+          </a:ln>
+        </p:spPr>
+        <p:style>
+          <a:lnRef idx="1">
+            <a:schemeClr val="accent1"/>
+          </a:lnRef>
+          <a:fillRef idx="0">
+            <a:schemeClr val="accent1"/>
+          </a:fillRef>
+          <a:effectRef idx="0">
+            <a:schemeClr val="accent1"/>
+          </a:effectRef>
+          <a:fontRef idx="minor">
+            <a:schemeClr val="tx1"/>
+          </a:fontRef>
+        </p:style>
+      </p:cxnSp>
+      <p:pic>
+        <p:nvPicPr>
+          <p:cNvPr id="71" name="Picture 70"/>
+          <p:cNvPicPr>
+            <a:picLocks noChangeAspect="1"/>
+          </p:cNvPicPr>
+          <p:nvPr/>
+        </p:nvPicPr>
+        <p:blipFill>
+          <a:blip r:embed="rId9" cstate="print">
+            <a:extLst>
+              <a:ext uri="{28A0092B-C50C-407E-A947-70E740481C1C}">
+                <a14:useLocalDpi xmlns:a14="http://schemas.microsoft.com/office/drawing/2010/main" val="0"/>
+              </a:ext>
+            </a:extLst>
+          </a:blip>
+          <a:stretch>
+            <a:fillRect/>
+          </a:stretch>
+        </p:blipFill>
+        <p:spPr>
+          <a:xfrm>
+            <a:off x="4614436" y="2602476"/>
+            <a:ext cx="1005840" cy="1005840"/>
+          </a:xfrm>
+          <a:prstGeom prst="rect">
+            <a:avLst/>
+          </a:prstGeom>
+        </p:spPr>
+      </p:pic>
+      <p:cxnSp>
+        <p:nvCxnSpPr>
+          <p:cNvPr id="72" name="Straight Connector 71"/>
+          <p:cNvCxnSpPr/>
+          <p:nvPr/>
+        </p:nvCxnSpPr>
+        <p:spPr>
+          <a:xfrm flipV="1">
+            <a:off x="5103276" y="3970868"/>
+            <a:ext cx="23120" cy="731520"/>
+          </a:xfrm>
+          <a:prstGeom prst="line">
+            <a:avLst/>
+          </a:prstGeom>
+          <a:ln w="28575">
+            <a:solidFill>
+              <a:srgbClr val="F29E65"/>
+            </a:solidFill>
+          </a:ln>
+        </p:spPr>
+        <p:style>
+          <a:lnRef idx="1">
+            <a:schemeClr val="dk1"/>
+          </a:lnRef>
+          <a:fillRef idx="0">
+            <a:schemeClr val="dk1"/>
+          </a:fillRef>
+          <a:effectRef idx="0">
+            <a:schemeClr val="dk1"/>
+          </a:effectRef>
+          <a:fontRef idx="minor">
+            <a:schemeClr val="tx1"/>
+          </a:fontRef>
+        </p:style>
+      </p:cxnSp>
+      <p:cxnSp>
+        <p:nvCxnSpPr>
+          <p:cNvPr id="73" name="Straight Connector 72"/>
+          <p:cNvCxnSpPr/>
+          <p:nvPr/>
+        </p:nvCxnSpPr>
+        <p:spPr>
+          <a:xfrm>
+            <a:off x="3873370" y="4710359"/>
+            <a:ext cx="4389120" cy="12284"/>
+          </a:xfrm>
+          <a:prstGeom prst="line">
+            <a:avLst/>
+          </a:prstGeom>
+          <a:ln w="25400">
+            <a:solidFill>
+              <a:schemeClr val="accent2"/>
+            </a:solidFill>
+          </a:ln>
+        </p:spPr>
+        <p:style>
+          <a:lnRef idx="1">
+            <a:schemeClr val="dk1"/>
+          </a:lnRef>
+          <a:fillRef idx="0">
+            <a:schemeClr val="dk1"/>
+          </a:fillRef>
+          <a:effectRef idx="0">
+            <a:schemeClr val="dk1"/>
+          </a:effectRef>
+          <a:fontRef idx="minor">
+            <a:schemeClr val="tx1"/>
+          </a:fontRef>
+        </p:style>
+      </p:cxnSp>
+      <p:cxnSp>
+        <p:nvCxnSpPr>
+          <p:cNvPr id="74" name="Straight Connector 73"/>
+          <p:cNvCxnSpPr/>
+          <p:nvPr/>
+        </p:nvCxnSpPr>
+        <p:spPr>
+          <a:xfrm flipV="1">
+            <a:off x="8250285" y="4721553"/>
+            <a:ext cx="0" cy="548640"/>
+          </a:xfrm>
+          <a:prstGeom prst="line">
+            <a:avLst/>
+          </a:prstGeom>
+          <a:ln w="25400">
+            <a:solidFill>
+              <a:srgbClr val="F29E65"/>
+            </a:solidFill>
+          </a:ln>
+        </p:spPr>
+        <p:style>
+          <a:lnRef idx="1">
+            <a:schemeClr val="dk1"/>
+          </a:lnRef>
+          <a:fillRef idx="0">
+            <a:schemeClr val="dk1"/>
+          </a:fillRef>
+          <a:effectRef idx="0">
+            <a:schemeClr val="dk1"/>
+          </a:effectRef>
+          <a:fontRef idx="minor">
+            <a:schemeClr val="tx1"/>
+          </a:fontRef>
+        </p:style>
+      </p:cxnSp>
+      <p:pic>
+        <p:nvPicPr>
+          <p:cNvPr id="77" name="Picture 76"/>
+          <p:cNvPicPr>
+            <a:picLocks noChangeAspect="1"/>
+          </p:cNvPicPr>
+          <p:nvPr/>
+        </p:nvPicPr>
+        <p:blipFill>
+          <a:blip r:embed="rId10" cstate="print">
+            <a:extLst>
+              <a:ext uri="{28A0092B-C50C-407E-A947-70E740481C1C}">
+                <a14:useLocalDpi xmlns:a14="http://schemas.microsoft.com/office/drawing/2010/main" val="0"/>
+              </a:ext>
+            </a:extLst>
+          </a:blip>
+          <a:stretch>
+            <a:fillRect/>
+          </a:stretch>
+        </p:blipFill>
+        <p:spPr>
+          <a:xfrm>
+            <a:off x="7866101" y="5358030"/>
+            <a:ext cx="822960" cy="822960"/>
+          </a:xfrm>
+          <a:prstGeom prst="rect">
+            <a:avLst/>
+          </a:prstGeom>
+        </p:spPr>
+      </p:pic>
+      <p:sp>
+        <p:nvSpPr>
+          <p:cNvPr id="78" name="TextBox 77"/>
+          <p:cNvSpPr txBox="1"/>
+          <p:nvPr/>
+        </p:nvSpPr>
+        <p:spPr>
+          <a:xfrm>
+            <a:off x="7537706" y="6301512"/>
+            <a:ext cx="1479749" cy="307777"/>
+          </a:xfrm>
+          <a:prstGeom prst="rect">
+            <a:avLst/>
+          </a:prstGeom>
+          <a:solidFill>
+            <a:schemeClr val="bg1">
+              <a:lumMod val="95000"/>
+            </a:schemeClr>
+          </a:solidFill>
+          <a:ln>
+            <a:noFill/>
+          </a:ln>
+        </p:spPr>
+        <p:txBody>
+          <a:bodyPr wrap="square" rtlCol="0">
+            <a:spAutoFit/>
+          </a:bodyPr>
+          <a:lstStyle/>
+          <a:p>
+            <a:pPr algn="ctr"/>
+            <a:r>
+              <a:rPr lang="en-IN" sz="1400" dirty="0" smtClean="0">
+                <a:ea typeface="Open Sans Semibold" panose="020B0706030804020204" pitchFamily="34" charset="0"/>
+                <a:cs typeface="Open Sans Semibold" panose="020B0706030804020204" pitchFamily="34" charset="0"/>
+              </a:rPr>
+              <a:t>Super Admin </a:t>
+            </a:r>
+            <a:endParaRPr lang="en-IN" sz="1400" dirty="0">
+              <a:ea typeface="Open Sans Semibold" panose="020B0706030804020204" pitchFamily="34" charset="0"/>
+              <a:cs typeface="Open Sans Semibold" panose="020B0706030804020204" pitchFamily="34" charset="0"/>
+            </a:endParaRPr>
+          </a:p>
+        </p:txBody>
+      </p:sp>
+      <p:cxnSp>
+        <p:nvCxnSpPr>
+          <p:cNvPr id="79" name="Straight Connector 78"/>
+          <p:cNvCxnSpPr/>
+          <p:nvPr/>
+        </p:nvCxnSpPr>
+        <p:spPr>
+          <a:xfrm flipV="1">
+            <a:off x="3873370" y="4710359"/>
+            <a:ext cx="0" cy="548640"/>
+          </a:xfrm>
+          <a:prstGeom prst="line">
+            <a:avLst/>
+          </a:prstGeom>
+          <a:ln w="25400">
+            <a:solidFill>
+              <a:srgbClr val="F29E65"/>
+            </a:solidFill>
+          </a:ln>
+        </p:spPr>
+        <p:style>
+          <a:lnRef idx="1">
+            <a:schemeClr val="dk1"/>
+          </a:lnRef>
+          <a:fillRef idx="0">
+            <a:schemeClr val="dk1"/>
+          </a:fillRef>
+          <a:effectRef idx="0">
+            <a:schemeClr val="dk1"/>
+          </a:effectRef>
+          <a:fontRef idx="minor">
+            <a:schemeClr val="tx1"/>
+          </a:fontRef>
+        </p:style>
+      </p:cxnSp>
+      <p:sp>
+        <p:nvSpPr>
+          <p:cNvPr id="81" name="TextBox 80"/>
+          <p:cNvSpPr txBox="1"/>
+          <p:nvPr/>
+        </p:nvSpPr>
+        <p:spPr>
+          <a:xfrm>
+            <a:off x="2957524" y="6193791"/>
+            <a:ext cx="2064855" cy="523220"/>
+          </a:xfrm>
+          <a:prstGeom prst="rect">
+            <a:avLst/>
+          </a:prstGeom>
+          <a:solidFill>
+            <a:schemeClr val="bg1">
+              <a:lumMod val="95000"/>
+            </a:schemeClr>
+          </a:solidFill>
+          <a:ln>
+            <a:noFill/>
+          </a:ln>
+        </p:spPr>
+        <p:txBody>
+          <a:bodyPr wrap="square" rtlCol="0">
+            <a:spAutoFit/>
+          </a:bodyPr>
+          <a:lstStyle/>
+          <a:p>
+            <a:pPr algn="ctr"/>
+            <a:r>
+              <a:rPr lang="en-IN" sz="1400" dirty="0" smtClean="0">
+                <a:ea typeface="Open Sans Semibold" panose="020B0706030804020204" pitchFamily="34" charset="0"/>
+                <a:cs typeface="Open Sans Semibold" panose="020B0706030804020204" pitchFamily="34" charset="0"/>
+              </a:rPr>
+              <a:t>Web &amp; Mobile App for General User   </a:t>
+            </a:r>
+            <a:endParaRPr lang="en-IN" sz="1400" dirty="0">
+              <a:ea typeface="Open Sans Semibold" panose="020B0706030804020204" pitchFamily="34" charset="0"/>
+              <a:cs typeface="Open Sans Semibold" panose="020B0706030804020204" pitchFamily="34" charset="0"/>
+            </a:endParaRPr>
+          </a:p>
+        </p:txBody>
+      </p:sp>
+      <p:pic>
+        <p:nvPicPr>
+          <p:cNvPr id="82" name="Picture 81"/>
+          <p:cNvPicPr>
+            <a:picLocks noChangeAspect="1"/>
+          </p:cNvPicPr>
+          <p:nvPr/>
+        </p:nvPicPr>
+        <p:blipFill>
+          <a:blip r:embed="rId11" cstate="print">
+            <a:extLst>
+              <a:ext uri="{28A0092B-C50C-407E-A947-70E740481C1C}">
+                <a14:useLocalDpi xmlns:a14="http://schemas.microsoft.com/office/drawing/2010/main" val="0"/>
+              </a:ext>
+            </a:extLst>
+          </a:blip>
+          <a:stretch>
+            <a:fillRect/>
+          </a:stretch>
+        </p:blipFill>
+        <p:spPr>
+          <a:xfrm>
+            <a:off x="3087127" y="5358030"/>
+            <a:ext cx="822960" cy="822960"/>
+          </a:xfrm>
+          <a:prstGeom prst="rect">
+            <a:avLst/>
+          </a:prstGeom>
+        </p:spPr>
+      </p:pic>
+      <p:pic>
+        <p:nvPicPr>
+          <p:cNvPr id="83" name="Picture 82"/>
+          <p:cNvPicPr>
+            <a:picLocks noChangeAspect="1"/>
+          </p:cNvPicPr>
+          <p:nvPr/>
+        </p:nvPicPr>
+        <p:blipFill>
+          <a:blip r:embed="rId12" cstate="print">
+            <a:extLst>
+              <a:ext uri="{28A0092B-C50C-407E-A947-70E740481C1C}">
+                <a14:useLocalDpi xmlns:a14="http://schemas.microsoft.com/office/drawing/2010/main" val="0"/>
+              </a:ext>
+            </a:extLst>
+          </a:blip>
+          <a:stretch>
+            <a:fillRect/>
+          </a:stretch>
+        </p:blipFill>
+        <p:spPr>
+          <a:xfrm>
+            <a:off x="3908264" y="5365621"/>
+            <a:ext cx="822960" cy="822960"/>
+          </a:xfrm>
+          <a:prstGeom prst="rect">
+            <a:avLst/>
+          </a:prstGeom>
+        </p:spPr>
+      </p:pic>
+      <p:cxnSp>
+        <p:nvCxnSpPr>
+          <p:cNvPr id="84" name="Straight Connector 83"/>
+          <p:cNvCxnSpPr/>
+          <p:nvPr/>
+        </p:nvCxnSpPr>
+        <p:spPr>
+          <a:xfrm>
+            <a:off x="3534774" y="5258999"/>
+            <a:ext cx="838826" cy="0"/>
+          </a:xfrm>
+          <a:prstGeom prst="line">
+            <a:avLst/>
+          </a:prstGeom>
+          <a:ln w="25400">
+            <a:solidFill>
+              <a:srgbClr val="F29E65"/>
+            </a:solidFill>
+          </a:ln>
+        </p:spPr>
+        <p:style>
+          <a:lnRef idx="1">
+            <a:schemeClr val="dk1"/>
+          </a:lnRef>
+          <a:fillRef idx="0">
+            <a:schemeClr val="dk1"/>
+          </a:fillRef>
+          <a:effectRef idx="0">
+            <a:schemeClr val="dk1"/>
+          </a:effectRef>
+          <a:fontRef idx="minor">
+            <a:schemeClr val="tx1"/>
+          </a:fontRef>
+        </p:style>
+      </p:cxnSp>
+      <p:cxnSp>
+        <p:nvCxnSpPr>
+          <p:cNvPr id="86" name="Straight Connector 85"/>
+          <p:cNvCxnSpPr/>
+          <p:nvPr/>
+        </p:nvCxnSpPr>
+        <p:spPr>
+          <a:xfrm flipV="1">
+            <a:off x="4373600" y="5247116"/>
+            <a:ext cx="0" cy="91440"/>
+          </a:xfrm>
+          <a:prstGeom prst="line">
+            <a:avLst/>
+          </a:prstGeom>
+          <a:ln w="25400">
+            <a:solidFill>
+              <a:srgbClr val="F29E65"/>
+            </a:solidFill>
+          </a:ln>
+        </p:spPr>
+        <p:style>
+          <a:lnRef idx="1">
+            <a:schemeClr val="dk1"/>
+          </a:lnRef>
+          <a:fillRef idx="0">
+            <a:schemeClr val="dk1"/>
+          </a:fillRef>
+          <a:effectRef idx="0">
+            <a:schemeClr val="dk1"/>
+          </a:effectRef>
+          <a:fontRef idx="minor">
+            <a:schemeClr val="tx1"/>
+          </a:fontRef>
+        </p:style>
+      </p:cxnSp>
+      <p:cxnSp>
+        <p:nvCxnSpPr>
+          <p:cNvPr id="87" name="Straight Connector 86"/>
+          <p:cNvCxnSpPr/>
+          <p:nvPr/>
+        </p:nvCxnSpPr>
+        <p:spPr>
+          <a:xfrm flipV="1">
+            <a:off x="3534774" y="5256545"/>
+            <a:ext cx="0" cy="91440"/>
+          </a:xfrm>
+          <a:prstGeom prst="line">
+            <a:avLst/>
+          </a:prstGeom>
+          <a:ln w="25400">
+            <a:solidFill>
+              <a:srgbClr val="F29E65"/>
+            </a:solidFill>
+          </a:ln>
+        </p:spPr>
+        <p:style>
+          <a:lnRef idx="1">
+            <a:schemeClr val="dk1"/>
+          </a:lnRef>
+          <a:fillRef idx="0">
+            <a:schemeClr val="dk1"/>
+          </a:fillRef>
+          <a:effectRef idx="0">
+            <a:schemeClr val="dk1"/>
+          </a:effectRef>
+          <a:fontRef idx="minor">
+            <a:schemeClr val="tx1"/>
+          </a:fontRef>
+        </p:style>
+      </p:cxnSp>
+      <p:sp>
+        <p:nvSpPr>
+          <p:cNvPr id="89" name="TextBox 88"/>
+          <p:cNvSpPr txBox="1"/>
+          <p:nvPr/>
+        </p:nvSpPr>
+        <p:spPr>
+          <a:xfrm>
+            <a:off x="464579" y="4895303"/>
+            <a:ext cx="2394057" cy="1384995"/>
+          </a:xfrm>
+          <a:prstGeom prst="rect">
+            <a:avLst/>
+          </a:prstGeom>
+          <a:noFill/>
+          <a:ln>
+            <a:solidFill>
+              <a:schemeClr val="bg2"/>
+            </a:solidFill>
+          </a:ln>
+        </p:spPr>
+        <p:txBody>
+          <a:bodyPr wrap="square" rtlCol="0">
+            <a:spAutoFit/>
+          </a:bodyPr>
+          <a:lstStyle/>
+          <a:p>
+            <a:pPr marL="171450" indent="-171450">
+              <a:buFont typeface="Arial" panose="020B0604020202020204" pitchFamily="34" charset="0"/>
+              <a:buChar char="•"/>
+            </a:pPr>
+            <a:r>
+              <a:rPr lang="en-IN" sz="1400" dirty="0" smtClean="0">
+                <a:latin typeface="+mj-lt"/>
+                <a:ea typeface="Open Sans Semibold" panose="020B0706030804020204" pitchFamily="34" charset="0"/>
+                <a:cs typeface="Open Sans Semibold" panose="020B0706030804020204" pitchFamily="34" charset="0"/>
+              </a:rPr>
+              <a:t>Filtration</a:t>
+            </a:r>
+          </a:p>
+          <a:p>
+            <a:pPr marL="171450" indent="-171450">
+              <a:buFont typeface="Arial" panose="020B0604020202020204" pitchFamily="34" charset="0"/>
+              <a:buChar char="•"/>
+            </a:pPr>
+            <a:r>
+              <a:rPr lang="en-IN" sz="1400" dirty="0" smtClean="0">
+                <a:latin typeface="+mj-lt"/>
+                <a:ea typeface="Open Sans Semibold" panose="020B0706030804020204" pitchFamily="34" charset="0"/>
+                <a:cs typeface="Open Sans Semibold" panose="020B0706030804020204" pitchFamily="34" charset="0"/>
+              </a:rPr>
+              <a:t>News Archiving </a:t>
+            </a:r>
+          </a:p>
+          <a:p>
+            <a:pPr marL="171450" indent="-171450">
+              <a:buFont typeface="Arial" panose="020B0604020202020204" pitchFamily="34" charset="0"/>
+              <a:buChar char="•"/>
+            </a:pPr>
+            <a:r>
+              <a:rPr lang="en-IN" sz="1400" dirty="0" smtClean="0">
+                <a:latin typeface="+mj-lt"/>
+                <a:ea typeface="Open Sans Semibold" panose="020B0706030804020204" pitchFamily="34" charset="0"/>
+                <a:cs typeface="Open Sans Semibold" panose="020B0706030804020204" pitchFamily="34" charset="0"/>
+              </a:rPr>
+              <a:t>Trending News</a:t>
+            </a:r>
+          </a:p>
+          <a:p>
+            <a:pPr marL="171450" indent="-171450">
+              <a:buFont typeface="Arial" panose="020B0604020202020204" pitchFamily="34" charset="0"/>
+              <a:buChar char="•"/>
+            </a:pPr>
+            <a:r>
+              <a:rPr lang="en-IN" sz="1400" dirty="0" smtClean="0">
+                <a:latin typeface="+mj-lt"/>
+                <a:ea typeface="Open Sans Semibold" panose="020B0706030804020204" pitchFamily="34" charset="0"/>
+                <a:cs typeface="Open Sans Semibold" panose="020B0706030804020204" pitchFamily="34" charset="0"/>
+              </a:rPr>
+              <a:t>Personal Dashboard</a:t>
+            </a:r>
+          </a:p>
+          <a:p>
+            <a:pPr marL="171450" indent="-171450">
+              <a:buFont typeface="Arial" panose="020B0604020202020204" pitchFamily="34" charset="0"/>
+              <a:buChar char="•"/>
+            </a:pPr>
+            <a:r>
+              <a:rPr lang="en-IN" sz="1400" dirty="0" smtClean="0">
+                <a:latin typeface="+mj-lt"/>
+                <a:ea typeface="Open Sans Semibold" panose="020B0706030804020204" pitchFamily="34" charset="0"/>
+                <a:cs typeface="Open Sans Semibold" panose="020B0706030804020204" pitchFamily="34" charset="0"/>
+              </a:rPr>
+              <a:t>All news in one place</a:t>
+            </a:r>
+          </a:p>
+          <a:p>
+            <a:pPr marL="171450" indent="-171450">
+              <a:buFont typeface="Arial" panose="020B0604020202020204" pitchFamily="34" charset="0"/>
+              <a:buChar char="•"/>
+            </a:pPr>
+            <a:endParaRPr lang="en-IN" sz="1400" dirty="0" smtClean="0">
+              <a:latin typeface="+mj-lt"/>
+              <a:ea typeface="Open Sans Semibold" panose="020B0706030804020204" pitchFamily="34" charset="0"/>
+              <a:cs typeface="Open Sans Semibold" panose="020B0706030804020204" pitchFamily="34" charset="0"/>
+            </a:endParaRPr>
+          </a:p>
+        </p:txBody>
+      </p:sp>
+      <p:sp>
+        <p:nvSpPr>
+          <p:cNvPr id="90" name="TextBox 89"/>
+          <p:cNvSpPr txBox="1"/>
+          <p:nvPr/>
+        </p:nvSpPr>
+        <p:spPr>
+          <a:xfrm>
+            <a:off x="1410570" y="1195243"/>
+            <a:ext cx="3010490" cy="954107"/>
+          </a:xfrm>
+          <a:prstGeom prst="rect">
+            <a:avLst/>
+          </a:prstGeom>
+          <a:noFill/>
+          <a:ln>
+            <a:solidFill>
+              <a:schemeClr val="bg2"/>
+            </a:solidFill>
+          </a:ln>
+        </p:spPr>
+        <p:txBody>
+          <a:bodyPr wrap="square" rtlCol="0">
+            <a:spAutoFit/>
+          </a:bodyPr>
+          <a:lstStyle/>
+          <a:p>
+            <a:pPr marL="171450" indent="-171450">
+              <a:buFont typeface="Arial" panose="020B0604020202020204" pitchFamily="34" charset="0"/>
+              <a:buChar char="•"/>
+            </a:pPr>
+            <a:r>
+              <a:rPr lang="en-IN" sz="1400" dirty="0" smtClean="0">
+                <a:latin typeface="+mj-lt"/>
+                <a:ea typeface="Open Sans Semibold" panose="020B0706030804020204" pitchFamily="34" charset="0"/>
+                <a:cs typeface="Open Sans Semibold" panose="020B0706030804020204" pitchFamily="34" charset="0"/>
+              </a:rPr>
+              <a:t>Sentiment analysis</a:t>
+            </a:r>
+          </a:p>
+          <a:p>
+            <a:pPr marL="171450" indent="-171450">
+              <a:buFont typeface="Arial" panose="020B0604020202020204" pitchFamily="34" charset="0"/>
+              <a:buChar char="•"/>
+            </a:pPr>
+            <a:r>
+              <a:rPr lang="en-IN" sz="1400" dirty="0" smtClean="0">
+                <a:latin typeface="+mj-lt"/>
+                <a:ea typeface="Open Sans Semibold" panose="020B0706030804020204" pitchFamily="34" charset="0"/>
+                <a:cs typeface="Open Sans Semibold" panose="020B0706030804020204" pitchFamily="34" charset="0"/>
+              </a:rPr>
+              <a:t>Semantic &amp; </a:t>
+            </a:r>
+            <a:r>
+              <a:rPr lang="en-IN" sz="1400" dirty="0">
+                <a:ea typeface="Open Sans Semibold" panose="020B0706030804020204" pitchFamily="34" charset="0"/>
+                <a:cs typeface="Open Sans Semibold" panose="020B0706030804020204" pitchFamily="34" charset="0"/>
+              </a:rPr>
+              <a:t>Perspective</a:t>
+            </a:r>
+            <a:r>
+              <a:rPr lang="en-IN" sz="1400" dirty="0" smtClean="0">
+                <a:latin typeface="+mj-lt"/>
+                <a:ea typeface="Open Sans Semibold" panose="020B0706030804020204" pitchFamily="34" charset="0"/>
+                <a:cs typeface="Open Sans Semibold" panose="020B0706030804020204" pitchFamily="34" charset="0"/>
+              </a:rPr>
+              <a:t> analysis</a:t>
+            </a:r>
+            <a:endParaRPr lang="en-IN" sz="1400" dirty="0" smtClean="0">
+              <a:latin typeface="+mj-lt"/>
+              <a:ea typeface="Open Sans Semibold" panose="020B0706030804020204" pitchFamily="34" charset="0"/>
+              <a:cs typeface="Open Sans Semibold" panose="020B0706030804020204" pitchFamily="34" charset="0"/>
+            </a:endParaRPr>
+          </a:p>
+          <a:p>
+            <a:pPr marL="171450" indent="-171450">
+              <a:buFont typeface="Arial" panose="020B0604020202020204" pitchFamily="34" charset="0"/>
+              <a:buChar char="•"/>
+            </a:pPr>
+            <a:r>
+              <a:rPr lang="en-IN" sz="1400" dirty="0" smtClean="0">
+                <a:latin typeface="+mj-lt"/>
+                <a:ea typeface="Open Sans Semibold" panose="020B0706030804020204" pitchFamily="34" charset="0"/>
+                <a:cs typeface="Open Sans Semibold" panose="020B0706030804020204" pitchFamily="34" charset="0"/>
+              </a:rPr>
+              <a:t>Data Categorization </a:t>
+            </a:r>
+          </a:p>
+          <a:p>
+            <a:pPr marL="171450" indent="-171450">
+              <a:buFont typeface="Arial" panose="020B0604020202020204" pitchFamily="34" charset="0"/>
+              <a:buChar char="•"/>
+            </a:pPr>
+            <a:r>
+              <a:rPr lang="en-IN" sz="1400" dirty="0" smtClean="0">
+                <a:latin typeface="+mj-lt"/>
+                <a:ea typeface="Open Sans Semibold" panose="020B0706030804020204" pitchFamily="34" charset="0"/>
+                <a:cs typeface="Open Sans Semibold" panose="020B0706030804020204" pitchFamily="34" charset="0"/>
+              </a:rPr>
+              <a:t>ML &amp; Deep Learning Modules </a:t>
+            </a:r>
+          </a:p>
+        </p:txBody>
+      </p:sp>
+      <p:sp>
+        <p:nvSpPr>
+          <p:cNvPr id="93" name="Rectangle 92"/>
+          <p:cNvSpPr/>
+          <p:nvPr/>
+        </p:nvSpPr>
+        <p:spPr>
+          <a:xfrm>
+            <a:off x="1305920" y="209105"/>
+            <a:ext cx="2441309" cy="461665"/>
+          </a:xfrm>
+          <a:prstGeom prst="rect">
+            <a:avLst/>
+          </a:prstGeom>
+        </p:spPr>
+        <p:txBody>
+          <a:bodyPr wrap="none">
+            <a:spAutoFit/>
+          </a:bodyPr>
+          <a:lstStyle/>
+          <a:p>
+            <a:r>
+              <a:rPr lang="en-US" sz="2400" b="1" spc="300" dirty="0" smtClean="0">
+                <a:solidFill>
+                  <a:schemeClr val="tx1">
+                    <a:lumMod val="85000"/>
+                    <a:lumOff val="15000"/>
+                  </a:schemeClr>
+                </a:solidFill>
+                <a:ea typeface="Roboto" panose="02000000000000000000" pitchFamily="2" charset="0"/>
+                <a:cs typeface="Roboto" panose="02000000000000000000" pitchFamily="2" charset="0"/>
+              </a:rPr>
+              <a:t>Architecture  </a:t>
+            </a:r>
+            <a:endParaRPr lang="en-US" sz="2400" b="1" spc="300" dirty="0">
+              <a:solidFill>
+                <a:schemeClr val="tx1">
+                  <a:lumMod val="85000"/>
+                  <a:lumOff val="15000"/>
+                </a:schemeClr>
+              </a:solidFill>
+              <a:ea typeface="Roboto" panose="02000000000000000000" pitchFamily="2" charset="0"/>
+              <a:cs typeface="Roboto" panose="02000000000000000000" pitchFamily="2" charset="0"/>
+            </a:endParaRPr>
+          </a:p>
+        </p:txBody>
+      </p:sp>
+    </p:spTree>
+    <p:extLst>
+      <p:ext uri="{BB962C8B-B14F-4D97-AF65-F5344CB8AC3E}">
+        <p14:creationId xmlns:p14="http://schemas.microsoft.com/office/powerpoint/2010/main" val="3638816396"/>
+      </p:ext>
+    </p:extLst>
+  </p:cSld>
+  <p:clrMapOvr>
+    <a:masterClrMapping/>
+  </p:clrMapOvr>
+  <p:timing>
+    <p:tnLst>
+      <p:par>
+        <p:cTn id="1" dur="indefinite" restart="never" nodeType="tmRoot"/>
+      </p:par>
+    </p:tnLst>
+  </p:timing>
+</p:sld>
+</file>
+
+<file path=ppt/slides/slide6.xml><?xml version="1.0" encoding="utf-8"?>
+<p:sld xmlns:a="http://schemas.openxmlformats.org/drawingml/2006/main" xmlns:r="http://schemas.openxmlformats.org/officeDocument/2006/relationships" xmlns:p="http://schemas.openxmlformats.org/presentationml/2006/main">
+  <p:cSld>
+    <p:bg>
+      <p:bgPr>
+        <a:solidFill>
+          <a:schemeClr val="bg1"/>
+        </a:solidFill>
+        <a:effectLst/>
+      </p:bgPr>
+    </p:bg>
+    <p:spTree>
+      <p:nvGrpSpPr>
+        <p:cNvPr id="1" name=""/>
+        <p:cNvGrpSpPr/>
+        <p:nvPr/>
+      </p:nvGrpSpPr>
+      <p:grpSpPr>
+        <a:xfrm>
+          <a:off x="0" y="0"/>
+          <a:ext cx="0" cy="0"/>
+          <a:chOff x="0" y="0"/>
+          <a:chExt cx="0" cy="0"/>
+        </a:xfrm>
+      </p:grpSpPr>
+      <p:sp>
+        <p:nvSpPr>
+          <p:cNvPr id="6" name="TextBox 5"/>
+          <p:cNvSpPr txBox="1"/>
+          <p:nvPr/>
+        </p:nvSpPr>
+        <p:spPr>
+          <a:xfrm>
+            <a:off x="8932383" y="6485828"/>
+            <a:ext cx="2786308" cy="261610"/>
+          </a:xfrm>
+          <a:prstGeom prst="rect">
+            <a:avLst/>
+          </a:prstGeom>
+          <a:noFill/>
+        </p:spPr>
+        <p:txBody>
+          <a:bodyPr wrap="square" rtlCol="0">
+            <a:spAutoFit/>
+          </a:bodyPr>
+          <a:lstStyle/>
+          <a:p>
+            <a:r>
+              <a:rPr lang="en-US" sz="1100" spc="300" dirty="0" smtClean="0">
+                <a:solidFill>
+                  <a:schemeClr val="bg1">
+                    <a:lumMod val="65000"/>
+                  </a:schemeClr>
+                </a:solidFill>
+                <a:latin typeface="Open Sans Semibold" panose="020B0706030804020204" pitchFamily="34" charset="0"/>
+                <a:ea typeface="Open Sans Semibold" panose="020B0706030804020204" pitchFamily="34" charset="0"/>
+                <a:cs typeface="Open Sans Semibold" panose="020B0706030804020204" pitchFamily="34" charset="0"/>
+              </a:rPr>
+              <a:t>©Mobilise, </a:t>
+            </a:r>
+            <a:r>
+              <a:rPr lang="en-US" sz="1100" spc="300" dirty="0">
+                <a:solidFill>
+                  <a:schemeClr val="bg1">
+                    <a:lumMod val="65000"/>
+                  </a:schemeClr>
+                </a:solidFill>
+                <a:latin typeface="Open Sans Semibold" panose="020B0706030804020204" pitchFamily="34" charset="0"/>
+                <a:ea typeface="Open Sans Semibold" panose="020B0706030804020204" pitchFamily="34" charset="0"/>
+                <a:cs typeface="Open Sans Semibold" panose="020B0706030804020204" pitchFamily="34" charset="0"/>
+              </a:rPr>
+              <a:t>PAKISTAN </a:t>
+            </a:r>
+            <a:endParaRPr lang="en-IN" sz="1100" spc="300" dirty="0">
+              <a:solidFill>
+                <a:schemeClr val="bg1">
+                  <a:lumMod val="65000"/>
+                </a:schemeClr>
+              </a:solidFill>
+              <a:latin typeface="Open Sans Semibold" panose="020B0706030804020204" pitchFamily="34" charset="0"/>
+              <a:ea typeface="Open Sans Semibold" panose="020B0706030804020204" pitchFamily="34" charset="0"/>
+              <a:cs typeface="Open Sans Semibold" panose="020B0706030804020204" pitchFamily="34" charset="0"/>
+            </a:endParaRPr>
+          </a:p>
+        </p:txBody>
+      </p:sp>
+      <p:grpSp>
+        <p:nvGrpSpPr>
+          <p:cNvPr id="5" name="Group 4"/>
+          <p:cNvGrpSpPr/>
+          <p:nvPr/>
+        </p:nvGrpSpPr>
+        <p:grpSpPr>
+          <a:xfrm>
+            <a:off x="0" y="-1"/>
+            <a:ext cx="1423116" cy="772733"/>
+            <a:chOff x="0" y="-1"/>
+            <a:chExt cx="1423116" cy="772733"/>
+          </a:xfrm>
+        </p:grpSpPr>
+        <p:sp>
+          <p:nvSpPr>
+            <p:cNvPr id="7" name="Rectangle 1"/>
+            <p:cNvSpPr/>
+            <p:nvPr/>
+          </p:nvSpPr>
+          <p:spPr>
+            <a:xfrm>
+              <a:off x="0" y="-1"/>
+              <a:ext cx="1371600" cy="772733"/>
+            </a:xfrm>
+            <a:custGeom>
+              <a:avLst/>
+              <a:gdLst>
+                <a:gd name="connsiteX0" fmla="*/ 0 w 1429555"/>
+                <a:gd name="connsiteY0" fmla="*/ 0 h 734096"/>
+                <a:gd name="connsiteX1" fmla="*/ 1429555 w 1429555"/>
+                <a:gd name="connsiteY1" fmla="*/ 0 h 734096"/>
+                <a:gd name="connsiteX2" fmla="*/ 1429555 w 1429555"/>
+                <a:gd name="connsiteY2" fmla="*/ 734096 h 734096"/>
+                <a:gd name="connsiteX3" fmla="*/ 0 w 1429555"/>
+                <a:gd name="connsiteY3" fmla="*/ 734096 h 734096"/>
+                <a:gd name="connsiteX4" fmla="*/ 0 w 1429555"/>
+                <a:gd name="connsiteY4" fmla="*/ 0 h 734096"/>
+                <a:gd name="connsiteX0" fmla="*/ 0 w 1429555"/>
+                <a:gd name="connsiteY0" fmla="*/ 0 h 746975"/>
+                <a:gd name="connsiteX1" fmla="*/ 1429555 w 1429555"/>
+                <a:gd name="connsiteY1" fmla="*/ 0 h 746975"/>
+                <a:gd name="connsiteX2" fmla="*/ 914400 w 1429555"/>
+                <a:gd name="connsiteY2" fmla="*/ 746975 h 746975"/>
+                <a:gd name="connsiteX3" fmla="*/ 0 w 1429555"/>
+                <a:gd name="connsiteY3" fmla="*/ 734096 h 746975"/>
+                <a:gd name="connsiteX4" fmla="*/ 0 w 1429555"/>
+                <a:gd name="connsiteY4" fmla="*/ 0 h 746975"/>
+              </a:gdLst>
+              <a:ahLst/>
+              <a:cxnLst>
+                <a:cxn ang="0">
+                  <a:pos x="connsiteX0" y="connsiteY0"/>
+                </a:cxn>
+                <a:cxn ang="0">
+                  <a:pos x="connsiteX1" y="connsiteY1"/>
+                </a:cxn>
+                <a:cxn ang="0">
+                  <a:pos x="connsiteX2" y="connsiteY2"/>
+                </a:cxn>
+                <a:cxn ang="0">
+                  <a:pos x="connsiteX3" y="connsiteY3"/>
+                </a:cxn>
+                <a:cxn ang="0">
+                  <a:pos x="connsiteX4" y="connsiteY4"/>
+                </a:cxn>
+              </a:cxnLst>
+              <a:rect l="l" t="t" r="r" b="b"/>
+              <a:pathLst>
+                <a:path w="1429555" h="746975">
+                  <a:moveTo>
+                    <a:pt x="0" y="0"/>
+                  </a:moveTo>
+                  <a:lnTo>
+                    <a:pt x="1429555" y="0"/>
+                  </a:lnTo>
+                  <a:lnTo>
+                    <a:pt x="914400" y="746975"/>
+                  </a:lnTo>
+                  <a:lnTo>
+                    <a:pt x="0" y="734096"/>
+                  </a:lnTo>
+                  <a:lnTo>
+                    <a:pt x="0" y="0"/>
+                  </a:lnTo>
+                  <a:close/>
+                </a:path>
+              </a:pathLst>
+            </a:custGeom>
+            <a:solidFill>
+              <a:srgbClr val="FFD42A"/>
+            </a:solidFill>
+            <a:ln>
+              <a:noFill/>
+            </a:ln>
+          </p:spPr>
+          <p:style>
+            <a:lnRef idx="2">
+              <a:schemeClr val="accent1">
+                <a:shade val="50000"/>
+              </a:schemeClr>
+            </a:lnRef>
+            <a:fillRef idx="1">
+              <a:schemeClr val="accent1"/>
+            </a:fillRef>
+            <a:effectRef idx="0">
+              <a:schemeClr val="accent1"/>
+            </a:effectRef>
+            <a:fontRef idx="minor">
+              <a:schemeClr val="lt1"/>
+            </a:fontRef>
+          </p:style>
+          <p:txBody>
+            <a:bodyPr rtlCol="0" anchor="ctr"/>
+            <a:lstStyle/>
+            <a:p>
+              <a:pPr algn="ctr"/>
+              <a:endParaRPr lang="en-US"/>
+            </a:p>
+          </p:txBody>
+        </p:sp>
+        <p:cxnSp>
+          <p:nvCxnSpPr>
+            <p:cNvPr id="8" name="Straight Connector 7"/>
+            <p:cNvCxnSpPr/>
+            <p:nvPr/>
+          </p:nvCxnSpPr>
+          <p:spPr>
+            <a:xfrm flipH="1">
+              <a:off x="928846" y="0"/>
+              <a:ext cx="494270" cy="772732"/>
+            </a:xfrm>
+            <a:prstGeom prst="line">
+              <a:avLst/>
+            </a:prstGeom>
+            <a:ln w="28575">
+              <a:solidFill>
+                <a:schemeClr val="tx1">
+                  <a:lumMod val="85000"/>
+                  <a:lumOff val="15000"/>
+                </a:schemeClr>
+              </a:solidFill>
+            </a:ln>
+          </p:spPr>
+          <p:style>
+            <a:lnRef idx="1">
+              <a:schemeClr val="accent1"/>
+            </a:lnRef>
+            <a:fillRef idx="0">
+              <a:schemeClr val="accent1"/>
+            </a:fillRef>
+            <a:effectRef idx="0">
+              <a:schemeClr val="accent1"/>
+            </a:effectRef>
+            <a:fontRef idx="minor">
+              <a:schemeClr val="tx1"/>
+            </a:fontRef>
+          </p:style>
+        </p:cxnSp>
+      </p:grpSp>
+      <p:sp>
+        <p:nvSpPr>
+          <p:cNvPr id="9" name="Rectangle 8"/>
+          <p:cNvSpPr/>
+          <p:nvPr/>
+        </p:nvSpPr>
+        <p:spPr>
+          <a:xfrm>
+            <a:off x="1305920" y="209105"/>
+            <a:ext cx="1680396" cy="461665"/>
+          </a:xfrm>
+          <a:prstGeom prst="rect">
+            <a:avLst/>
+          </a:prstGeom>
+        </p:spPr>
+        <p:txBody>
+          <a:bodyPr wrap="none">
+            <a:spAutoFit/>
+          </a:bodyPr>
+          <a:lstStyle/>
+          <a:p>
+            <a:r>
+              <a:rPr lang="en-US" sz="2400" b="1" spc="300" dirty="0" smtClean="0">
+                <a:solidFill>
+                  <a:schemeClr val="tx1">
+                    <a:lumMod val="85000"/>
+                    <a:lumOff val="15000"/>
+                  </a:schemeClr>
+                </a:solidFill>
+                <a:ea typeface="Roboto" panose="02000000000000000000" pitchFamily="2" charset="0"/>
+                <a:cs typeface="Roboto" panose="02000000000000000000" pitchFamily="2" charset="0"/>
+              </a:rPr>
+              <a:t>Snapshot</a:t>
+            </a:r>
+            <a:endParaRPr lang="en-US" sz="2400" b="1" spc="300" dirty="0">
+              <a:solidFill>
+                <a:schemeClr val="tx1">
+                  <a:lumMod val="85000"/>
+                  <a:lumOff val="15000"/>
+                </a:schemeClr>
+              </a:solidFill>
+              <a:ea typeface="Roboto" panose="02000000000000000000" pitchFamily="2" charset="0"/>
+              <a:cs typeface="Roboto" panose="02000000000000000000" pitchFamily="2" charset="0"/>
+            </a:endParaRPr>
+          </a:p>
+        </p:txBody>
+      </p:sp>
+      <p:pic>
+        <p:nvPicPr>
+          <p:cNvPr id="2" name="Picture 1"/>
+          <p:cNvPicPr>
+            <a:picLocks noChangeAspect="1"/>
+          </p:cNvPicPr>
+          <p:nvPr/>
+        </p:nvPicPr>
+        <p:blipFill>
+          <a:blip r:embed="rId2"/>
+          <a:stretch>
+            <a:fillRect/>
+          </a:stretch>
+        </p:blipFill>
+        <p:spPr>
+          <a:xfrm>
+            <a:off x="545866" y="1213914"/>
+            <a:ext cx="11172825" cy="5025296"/>
+          </a:xfrm>
+          <a:prstGeom prst="rect">
+            <a:avLst/>
+          </a:prstGeom>
+          <a:ln>
+            <a:noFill/>
+          </a:ln>
+          <a:effectLst>
+            <a:outerShdw blurRad="292100" dist="139700" dir="2700000" algn="tl" rotWithShape="0">
+              <a:srgbClr val="333333">
+                <a:alpha val="65000"/>
+              </a:srgbClr>
+            </a:outerShdw>
+          </a:effectLst>
+        </p:spPr>
+      </p:pic>
+    </p:spTree>
+    <p:extLst>
+      <p:ext uri="{BB962C8B-B14F-4D97-AF65-F5344CB8AC3E}">
+        <p14:creationId xmlns:p14="http://schemas.microsoft.com/office/powerpoint/2010/main" val="2563146716"/>
+      </p:ext>
+    </p:extLst>
+  </p:cSld>
+  <p:clrMapOvr>
+    <a:masterClrMapping/>
+  </p:clrMapOvr>
+  <p:timing>
+    <p:tnLst>
+      <p:par>
+        <p:cTn id="1" dur="indefinite" restart="never" nodeType="tmRoot"/>
+      </p:par>
+    </p:tnLst>
+  </p:timing>
+</p:sld>
+</file>
+
+<file path=ppt/slides/slide7.xml><?xml version="1.0" encoding="utf-8"?>
+<p:sld xmlns:a="http://schemas.openxmlformats.org/drawingml/2006/main" xmlns:r="http://schemas.openxmlformats.org/officeDocument/2006/relationships" xmlns:p="http://schemas.openxmlformats.org/presentationml/2006/main">
+  <p:cSld>
+    <p:bg>
+      <p:bgPr>
+        <a:solidFill>
+          <a:schemeClr val="bg1"/>
+        </a:solidFill>
+        <a:effectLst/>
+      </p:bgPr>
+    </p:bg>
+    <p:spTree>
+      <p:nvGrpSpPr>
+        <p:cNvPr id="1" name=""/>
+        <p:cNvGrpSpPr/>
+        <p:nvPr/>
+      </p:nvGrpSpPr>
+      <p:grpSpPr>
+        <a:xfrm>
+          <a:off x="0" y="0"/>
+          <a:ext cx="0" cy="0"/>
+          <a:chOff x="0" y="0"/>
+          <a:chExt cx="0" cy="0"/>
+        </a:xfrm>
+      </p:grpSpPr>
+      <p:sp>
+        <p:nvSpPr>
+          <p:cNvPr id="6" name="TextBox 5"/>
+          <p:cNvSpPr txBox="1"/>
+          <p:nvPr/>
+        </p:nvSpPr>
+        <p:spPr>
+          <a:xfrm>
+            <a:off x="8932383" y="6485828"/>
+            <a:ext cx="2786308" cy="261610"/>
+          </a:xfrm>
+          <a:prstGeom prst="rect">
+            <a:avLst/>
+          </a:prstGeom>
+          <a:noFill/>
+        </p:spPr>
+        <p:txBody>
+          <a:bodyPr wrap="square" rtlCol="0">
+            <a:spAutoFit/>
+          </a:bodyPr>
+          <a:lstStyle/>
+          <a:p>
+            <a:r>
+              <a:rPr lang="en-US" sz="1100" spc="300" dirty="0" smtClean="0">
+                <a:solidFill>
+                  <a:schemeClr val="bg1">
+                    <a:lumMod val="65000"/>
+                  </a:schemeClr>
+                </a:solidFill>
+                <a:latin typeface="Open Sans Semibold" panose="020B0706030804020204" pitchFamily="34" charset="0"/>
+                <a:ea typeface="Open Sans Semibold" panose="020B0706030804020204" pitchFamily="34" charset="0"/>
+                <a:cs typeface="Open Sans Semibold" panose="020B0706030804020204" pitchFamily="34" charset="0"/>
+              </a:rPr>
+              <a:t>©Mobilise, </a:t>
+            </a:r>
+            <a:r>
+              <a:rPr lang="en-US" sz="1100" spc="300" dirty="0">
+                <a:solidFill>
+                  <a:schemeClr val="bg1">
+                    <a:lumMod val="65000"/>
+                  </a:schemeClr>
+                </a:solidFill>
+                <a:latin typeface="Open Sans Semibold" panose="020B0706030804020204" pitchFamily="34" charset="0"/>
+                <a:ea typeface="Open Sans Semibold" panose="020B0706030804020204" pitchFamily="34" charset="0"/>
+                <a:cs typeface="Open Sans Semibold" panose="020B0706030804020204" pitchFamily="34" charset="0"/>
+              </a:rPr>
+              <a:t>PAKISTAN </a:t>
+            </a:r>
+            <a:endParaRPr lang="en-IN" sz="1100" spc="300" dirty="0">
+              <a:solidFill>
+                <a:schemeClr val="bg1">
+                  <a:lumMod val="65000"/>
+                </a:schemeClr>
+              </a:solidFill>
+              <a:latin typeface="Open Sans Semibold" panose="020B0706030804020204" pitchFamily="34" charset="0"/>
+              <a:ea typeface="Open Sans Semibold" panose="020B0706030804020204" pitchFamily="34" charset="0"/>
+              <a:cs typeface="Open Sans Semibold" panose="020B0706030804020204" pitchFamily="34" charset="0"/>
+            </a:endParaRPr>
+          </a:p>
+        </p:txBody>
+      </p:sp>
+      <p:grpSp>
+        <p:nvGrpSpPr>
+          <p:cNvPr id="5" name="Group 4"/>
+          <p:cNvGrpSpPr/>
+          <p:nvPr/>
+        </p:nvGrpSpPr>
+        <p:grpSpPr>
+          <a:xfrm>
+            <a:off x="0" y="-1"/>
+            <a:ext cx="1423116" cy="772733"/>
+            <a:chOff x="0" y="-1"/>
+            <a:chExt cx="1423116" cy="772733"/>
+          </a:xfrm>
+        </p:grpSpPr>
+        <p:sp>
+          <p:nvSpPr>
+            <p:cNvPr id="7" name="Rectangle 1"/>
+            <p:cNvSpPr/>
+            <p:nvPr/>
+          </p:nvSpPr>
+          <p:spPr>
+            <a:xfrm>
+              <a:off x="0" y="-1"/>
+              <a:ext cx="1371600" cy="772733"/>
+            </a:xfrm>
+            <a:custGeom>
+              <a:avLst/>
+              <a:gdLst>
+                <a:gd name="connsiteX0" fmla="*/ 0 w 1429555"/>
+                <a:gd name="connsiteY0" fmla="*/ 0 h 734096"/>
+                <a:gd name="connsiteX1" fmla="*/ 1429555 w 1429555"/>
+                <a:gd name="connsiteY1" fmla="*/ 0 h 734096"/>
+                <a:gd name="connsiteX2" fmla="*/ 1429555 w 1429555"/>
+                <a:gd name="connsiteY2" fmla="*/ 734096 h 734096"/>
+                <a:gd name="connsiteX3" fmla="*/ 0 w 1429555"/>
+                <a:gd name="connsiteY3" fmla="*/ 734096 h 734096"/>
+                <a:gd name="connsiteX4" fmla="*/ 0 w 1429555"/>
+                <a:gd name="connsiteY4" fmla="*/ 0 h 734096"/>
+                <a:gd name="connsiteX0" fmla="*/ 0 w 1429555"/>
+                <a:gd name="connsiteY0" fmla="*/ 0 h 746975"/>
+                <a:gd name="connsiteX1" fmla="*/ 1429555 w 1429555"/>
+                <a:gd name="connsiteY1" fmla="*/ 0 h 746975"/>
+                <a:gd name="connsiteX2" fmla="*/ 914400 w 1429555"/>
+                <a:gd name="connsiteY2" fmla="*/ 746975 h 746975"/>
+                <a:gd name="connsiteX3" fmla="*/ 0 w 1429555"/>
+                <a:gd name="connsiteY3" fmla="*/ 734096 h 746975"/>
+                <a:gd name="connsiteX4" fmla="*/ 0 w 1429555"/>
+                <a:gd name="connsiteY4" fmla="*/ 0 h 746975"/>
+              </a:gdLst>
+              <a:ahLst/>
+              <a:cxnLst>
+                <a:cxn ang="0">
+                  <a:pos x="connsiteX0" y="connsiteY0"/>
+                </a:cxn>
+                <a:cxn ang="0">
+                  <a:pos x="connsiteX1" y="connsiteY1"/>
+                </a:cxn>
+                <a:cxn ang="0">
+                  <a:pos x="connsiteX2" y="connsiteY2"/>
+                </a:cxn>
+                <a:cxn ang="0">
+                  <a:pos x="connsiteX3" y="connsiteY3"/>
+                </a:cxn>
+                <a:cxn ang="0">
+                  <a:pos x="connsiteX4" y="connsiteY4"/>
+                </a:cxn>
+              </a:cxnLst>
+              <a:rect l="l" t="t" r="r" b="b"/>
+              <a:pathLst>
+                <a:path w="1429555" h="746975">
+                  <a:moveTo>
+                    <a:pt x="0" y="0"/>
+                  </a:moveTo>
+                  <a:lnTo>
+                    <a:pt x="1429555" y="0"/>
+                  </a:lnTo>
+                  <a:lnTo>
+                    <a:pt x="914400" y="746975"/>
+                  </a:lnTo>
+                  <a:lnTo>
+                    <a:pt x="0" y="734096"/>
+                  </a:lnTo>
+                  <a:lnTo>
+                    <a:pt x="0" y="0"/>
+                  </a:lnTo>
+                  <a:close/>
+                </a:path>
+              </a:pathLst>
+            </a:custGeom>
+            <a:solidFill>
+              <a:srgbClr val="FFD42A"/>
+            </a:solidFill>
+            <a:ln>
+              <a:noFill/>
+            </a:ln>
+          </p:spPr>
+          <p:style>
+            <a:lnRef idx="2">
+              <a:schemeClr val="accent1">
+                <a:shade val="50000"/>
+              </a:schemeClr>
+            </a:lnRef>
+            <a:fillRef idx="1">
+              <a:schemeClr val="accent1"/>
+            </a:fillRef>
+            <a:effectRef idx="0">
+              <a:schemeClr val="accent1"/>
+            </a:effectRef>
+            <a:fontRef idx="minor">
+              <a:schemeClr val="lt1"/>
+            </a:fontRef>
+          </p:style>
+          <p:txBody>
+            <a:bodyPr rtlCol="0" anchor="ctr"/>
+            <a:lstStyle/>
+            <a:p>
+              <a:pPr algn="ctr"/>
+              <a:endParaRPr lang="en-US"/>
+            </a:p>
+          </p:txBody>
+        </p:sp>
+        <p:cxnSp>
+          <p:nvCxnSpPr>
+            <p:cNvPr id="8" name="Straight Connector 7"/>
+            <p:cNvCxnSpPr/>
+            <p:nvPr/>
+          </p:nvCxnSpPr>
+          <p:spPr>
+            <a:xfrm flipH="1">
+              <a:off x="928846" y="0"/>
+              <a:ext cx="494270" cy="772732"/>
+            </a:xfrm>
+            <a:prstGeom prst="line">
+              <a:avLst/>
+            </a:prstGeom>
+            <a:ln w="28575">
+              <a:solidFill>
+                <a:schemeClr val="tx1">
+                  <a:lumMod val="85000"/>
+                  <a:lumOff val="15000"/>
+                </a:schemeClr>
+              </a:solidFill>
+            </a:ln>
+          </p:spPr>
+          <p:style>
+            <a:lnRef idx="1">
+              <a:schemeClr val="accent1"/>
+            </a:lnRef>
+            <a:fillRef idx="0">
+              <a:schemeClr val="accent1"/>
+            </a:fillRef>
+            <a:effectRef idx="0">
+              <a:schemeClr val="accent1"/>
+            </a:effectRef>
+            <a:fontRef idx="minor">
+              <a:schemeClr val="tx1"/>
+            </a:fontRef>
+          </p:style>
+        </p:cxnSp>
+      </p:grpSp>
+      <p:sp>
+        <p:nvSpPr>
+          <p:cNvPr id="9" name="Rectangle 8"/>
+          <p:cNvSpPr/>
+          <p:nvPr/>
+        </p:nvSpPr>
+        <p:spPr>
+          <a:xfrm>
+            <a:off x="1305920" y="209105"/>
+            <a:ext cx="1680396" cy="461665"/>
+          </a:xfrm>
+          <a:prstGeom prst="rect">
+            <a:avLst/>
+          </a:prstGeom>
+        </p:spPr>
+        <p:txBody>
+          <a:bodyPr wrap="none">
+            <a:spAutoFit/>
+          </a:bodyPr>
+          <a:lstStyle/>
+          <a:p>
+            <a:r>
+              <a:rPr lang="en-US" sz="2400" b="1" spc="300" dirty="0" smtClean="0">
+                <a:solidFill>
+                  <a:schemeClr val="tx1">
+                    <a:lumMod val="85000"/>
+                    <a:lumOff val="15000"/>
+                  </a:schemeClr>
+                </a:solidFill>
+                <a:ea typeface="Roboto" panose="02000000000000000000" pitchFamily="2" charset="0"/>
+                <a:cs typeface="Roboto" panose="02000000000000000000" pitchFamily="2" charset="0"/>
+              </a:rPr>
+              <a:t>Snapshot</a:t>
+            </a:r>
+            <a:endParaRPr lang="en-US" sz="2400" b="1" spc="300" dirty="0">
+              <a:solidFill>
+                <a:schemeClr val="tx1">
+                  <a:lumMod val="85000"/>
+                  <a:lumOff val="15000"/>
+                </a:schemeClr>
+              </a:solidFill>
+              <a:ea typeface="Roboto" panose="02000000000000000000" pitchFamily="2" charset="0"/>
+              <a:cs typeface="Roboto" panose="02000000000000000000" pitchFamily="2" charset="0"/>
+            </a:endParaRPr>
+          </a:p>
+        </p:txBody>
+      </p:sp>
+      <p:pic>
+        <p:nvPicPr>
+          <p:cNvPr id="3" name="Picture 2"/>
+          <p:cNvPicPr>
+            <a:picLocks noChangeAspect="1"/>
+          </p:cNvPicPr>
+          <p:nvPr/>
+        </p:nvPicPr>
+        <p:blipFill>
+          <a:blip r:embed="rId2"/>
+          <a:stretch>
+            <a:fillRect/>
+          </a:stretch>
+        </p:blipFill>
+        <p:spPr>
+          <a:xfrm>
+            <a:off x="93603" y="1175020"/>
+            <a:ext cx="11934181" cy="5151191"/>
+          </a:xfrm>
+          <a:prstGeom prst="rect">
+            <a:avLst/>
+          </a:prstGeom>
+          <a:ln>
+            <a:noFill/>
+          </a:ln>
+          <a:effectLst>
+            <a:outerShdw blurRad="292100" dist="139700" dir="2700000" algn="tl" rotWithShape="0">
+              <a:srgbClr val="333333">
+                <a:alpha val="65000"/>
+              </a:srgbClr>
+            </a:outerShdw>
+          </a:effectLst>
+        </p:spPr>
+      </p:pic>
+    </p:spTree>
+    <p:extLst>
+      <p:ext uri="{BB962C8B-B14F-4D97-AF65-F5344CB8AC3E}">
+        <p14:creationId xmlns:p14="http://schemas.microsoft.com/office/powerpoint/2010/main" val="1740392663"/>
+      </p:ext>
+    </p:extLst>
+  </p:cSld>
+  <p:clrMapOvr>
+    <a:masterClrMapping/>
+  </p:clrMapOvr>
+  <p:timing>
+    <p:tnLst>
+      <p:par>
+        <p:cTn id="1" dur="indefinite" restart="never" nodeType="tmRoot"/>
+      </p:par>
+    </p:tnLst>
+  </p:timing>
+</p:sld>
+</file>
+
+<file path=ppt/slides/slide8.xml><?xml version="1.0" encoding="utf-8"?>
+<p:sld xmlns:a="http://schemas.openxmlformats.org/drawingml/2006/main" xmlns:r="http://schemas.openxmlformats.org/officeDocument/2006/relationships" xmlns:p="http://schemas.openxmlformats.org/presentationml/2006/main">
+  <p:cSld>
+    <p:bg>
+      <p:bgPr>
+        <a:solidFill>
+          <a:schemeClr val="bg1"/>
+        </a:solidFill>
+        <a:effectLst/>
+      </p:bgPr>
+    </p:bg>
     <p:spTree>
       <p:nvGrpSpPr>
         <p:cNvPr id="1" name=""/>
@@ -6182,13 +9193,13 @@
               </a:ext>
             </a:extLst>
           </a:blip>
-          <a:srcRect l="19490" r="12867"/>
+          <a:srcRect l="25782" r="16951"/>
           <a:stretch/>
         </p:blipFill>
         <p:spPr>
           <a:xfrm>
-            <a:off x="4159876" y="77410"/>
-            <a:ext cx="8032124" cy="6670028"/>
+            <a:off x="5422006" y="38772"/>
+            <a:ext cx="6800046" cy="6819227"/>
           </a:xfrm>
           <a:prstGeom prst="rect">
             <a:avLst/>
@@ -6204,7 +9215,7 @@
         <p:spPr>
           <a:xfrm>
             <a:off x="90152" y="1443231"/>
-            <a:ext cx="5100034" cy="1717458"/>
+            <a:ext cx="5100034" cy="2046714"/>
           </a:xfrm>
           <a:prstGeom prst="rect">
             <a:avLst/>
@@ -6230,7 +9241,7 @@
               <a:buChar char="•"/>
             </a:pPr>
             <a:r>
-              <a:rPr lang="en-US" sz="1600" spc="300" dirty="0">
+              <a:rPr lang="en-US" sz="2000" b="1" spc="300" dirty="0">
                 <a:solidFill>
                   <a:schemeClr val="tx1">
                     <a:lumMod val="65000"/>
@@ -6258,7 +9269,7 @@
               <a:buChar char="•"/>
             </a:pPr>
             <a:r>
-              <a:rPr lang="en-US" sz="1600" spc="300" dirty="0">
+              <a:rPr lang="en-US" sz="2000" b="1" spc="300" dirty="0">
                 <a:solidFill>
                   <a:schemeClr val="tx1">
                     <a:lumMod val="65000"/>
@@ -6271,7 +9282,7 @@
               <a:t>Improve organization media </a:t>
             </a:r>
             <a:r>
-              <a:rPr lang="en-US" sz="1600" spc="300" dirty="0" smtClean="0">
+              <a:rPr lang="en-US" sz="2000" b="1" spc="300" dirty="0" smtClean="0">
                 <a:solidFill>
                   <a:schemeClr val="tx1">
                     <a:lumMod val="65000"/>
@@ -6284,7 +9295,7 @@
               <a:t>campaign </a:t>
             </a:r>
             <a:r>
-              <a:rPr lang="en-US" sz="1600" spc="300" dirty="0">
+              <a:rPr lang="en-US" sz="2000" b="1" spc="300" dirty="0">
                 <a:solidFill>
                   <a:schemeClr val="tx1">
                     <a:lumMod val="65000"/>
@@ -6312,7 +9323,7 @@
               <a:buChar char="•"/>
             </a:pPr>
             <a:r>
-              <a:rPr lang="en-US" sz="1600" spc="300" dirty="0">
+              <a:rPr lang="en-US" sz="2000" b="1" spc="300" dirty="0">
                 <a:solidFill>
                   <a:schemeClr val="tx1">
                     <a:lumMod val="65000"/>
@@ -6340,7 +9351,7 @@
               <a:buChar char="•"/>
             </a:pPr>
             <a:r>
-              <a:rPr lang="en-US" sz="1600" spc="300" dirty="0">
+              <a:rPr lang="en-US" sz="2000" b="1" spc="300" dirty="0">
                 <a:solidFill>
                   <a:schemeClr val="tx1">
                     <a:lumMod val="65000"/>
@@ -6419,7 +9430,7 @@
         </p:nvSpPr>
         <p:spPr>
           <a:xfrm>
-            <a:off x="8932383" y="6511586"/>
+            <a:off x="9038408" y="6651670"/>
             <a:ext cx="2786308" cy="261610"/>
           </a:xfrm>
           <a:prstGeom prst="rect">
@@ -6444,33 +9455,7 @@
                 <a:ea typeface="Open Sans Semibold" panose="020B0706030804020204" pitchFamily="34" charset="0"/>
                 <a:cs typeface="Open Sans Semibold" panose="020B0706030804020204" pitchFamily="34" charset="0"/>
               </a:rPr>
-              <a:t>©</a:t>
-            </a:r>
-            <a:r>
-              <a:rPr lang="en-US" sz="1100" spc="300" dirty="0" smtClean="0">
-                <a:solidFill>
-                  <a:schemeClr val="bg1">
-                    <a:lumMod val="65000"/>
-                  </a:schemeClr>
-                </a:solidFill>
-                <a:latin typeface="Open Sans Semibold" panose="020B0706030804020204" pitchFamily="34" charset="0"/>
-                <a:ea typeface="Open Sans Semibold" panose="020B0706030804020204" pitchFamily="34" charset="0"/>
-                <a:cs typeface="Open Sans Semibold" panose="020B0706030804020204" pitchFamily="34" charset="0"/>
-              </a:rPr>
-              <a:t>Mobilise</a:t>
-            </a:r>
-            <a:r>
-              <a:rPr lang="en-US" sz="1100" spc="300" dirty="0" smtClean="0">
-                <a:solidFill>
-                  <a:schemeClr val="bg1">
-                    <a:lumMod val="65000"/>
-                  </a:schemeClr>
-                </a:solidFill>
-                <a:latin typeface="Open Sans Semibold" panose="020B0706030804020204" pitchFamily="34" charset="0"/>
-                <a:ea typeface="Open Sans Semibold" panose="020B0706030804020204" pitchFamily="34" charset="0"/>
-                <a:cs typeface="Open Sans Semibold" panose="020B0706030804020204" pitchFamily="34" charset="0"/>
-              </a:rPr>
-              <a:t>, </a:t>
+              <a:t>©Mobilise, </a:t>
             </a:r>
             <a:r>
               <a:rPr lang="en-US" sz="1100" spc="300" dirty="0">
@@ -6518,9 +9503,17 @@
 </p:sld>
 </file>
 
-<file path=ppt/slides/slide6.xml><?xml version="1.0" encoding="utf-8"?>
+<file path=ppt/slides/slide9.xml><?xml version="1.0" encoding="utf-8"?>
 <p:sld xmlns:a="http://schemas.openxmlformats.org/drawingml/2006/main" xmlns:r="http://schemas.openxmlformats.org/officeDocument/2006/relationships" xmlns:p="http://schemas.openxmlformats.org/presentationml/2006/main">
   <p:cSld>
+    <p:bg>
+      <p:bgPr>
+        <a:solidFill>
+          <a:schemeClr val="bg1"/>
+        </a:solidFill>
+        <a:effectLst/>
+      </p:bgPr>
+    </p:bg>
     <p:spTree>
       <p:nvGrpSpPr>
         <p:cNvPr id="1" name=""/>
@@ -6839,72 +9832,6 @@
               </a:rPr>
               <a:t>Similarly, organizations can track any false news, propaganda is rolling against them in social media, or can respond to myths, etc. </a:t>
             </a:r>
-            <a:endParaRPr lang="en-US" sz="1600" spc="300" dirty="0">
-              <a:solidFill>
-                <a:schemeClr val="tx1">
-                  <a:lumMod val="65000"/>
-                  <a:lumOff val="35000"/>
-                </a:schemeClr>
-              </a:solidFill>
-              <a:ea typeface="Open Sans Semibold" panose="020B0706030804020204" pitchFamily="34" charset="0"/>
-              <a:cs typeface="Open Sans Semibold" panose="020B0706030804020204" pitchFamily="34" charset="0"/>
-            </a:endParaRPr>
-          </a:p>
-        </p:txBody>
-      </p:sp>
-      <p:sp>
-        <p:nvSpPr>
-          <p:cNvPr id="11" name="TextBox 10"/>
-          <p:cNvSpPr txBox="1"/>
-          <p:nvPr/>
-        </p:nvSpPr>
-        <p:spPr>
-          <a:xfrm>
-            <a:off x="0" y="609894"/>
-            <a:ext cx="2542926" cy="523220"/>
-          </a:xfrm>
-          <a:prstGeom prst="rect">
-            <a:avLst/>
-          </a:prstGeom>
-          <a:solidFill>
-            <a:schemeClr val="bg2"/>
-          </a:solidFill>
-          <a:ln>
-            <a:noFill/>
-            <a:prstDash val="lgDash"/>
-          </a:ln>
-        </p:spPr>
-        <p:txBody>
-          <a:bodyPr wrap="square" rtlCol="0">
-            <a:spAutoFit/>
-          </a:bodyPr>
-          <a:lstStyle/>
-          <a:p>
-            <a:r>
-              <a:rPr lang="en-IN" sz="2800" b="1" spc="300" dirty="0" smtClean="0">
-                <a:solidFill>
-                  <a:schemeClr val="tx1">
-                    <a:lumMod val="65000"/>
-                    <a:lumOff val="35000"/>
-                  </a:schemeClr>
-                </a:solidFill>
-                <a:latin typeface="+mj-lt"/>
-                <a:ea typeface="Open Sans Extrabold" panose="020B0906030804020204" pitchFamily="34" charset="0"/>
-                <a:cs typeface="Open Sans Extrabold" panose="020B0906030804020204" pitchFamily="34" charset="0"/>
-              </a:rPr>
-              <a:t>Application  </a:t>
-            </a:r>
-            <a:endParaRPr lang="en-IN" sz="2800" b="1" spc="300" dirty="0">
-              <a:solidFill>
-                <a:schemeClr val="tx1">
-                  <a:lumMod val="65000"/>
-                  <a:lumOff val="35000"/>
-                </a:schemeClr>
-              </a:solidFill>
-              <a:latin typeface="+mj-lt"/>
-              <a:ea typeface="Open Sans Extrabold" panose="020B0906030804020204" pitchFamily="34" charset="0"/>
-              <a:cs typeface="Open Sans Extrabold" panose="020B0906030804020204" pitchFamily="34" charset="0"/>
-            </a:endParaRPr>
           </a:p>
         </p:txBody>
       </p:sp>
@@ -6941,33 +9868,7 @@
                 <a:ea typeface="Open Sans Semibold" panose="020B0706030804020204" pitchFamily="34" charset="0"/>
                 <a:cs typeface="Open Sans Semibold" panose="020B0706030804020204" pitchFamily="34" charset="0"/>
               </a:rPr>
-              <a:t>©</a:t>
-            </a:r>
-            <a:r>
-              <a:rPr lang="en-US" sz="1100" spc="300" dirty="0" smtClean="0">
-                <a:solidFill>
-                  <a:schemeClr val="bg1">
-                    <a:lumMod val="65000"/>
-                  </a:schemeClr>
-                </a:solidFill>
-                <a:latin typeface="Open Sans Semibold" panose="020B0706030804020204" pitchFamily="34" charset="0"/>
-                <a:ea typeface="Open Sans Semibold" panose="020B0706030804020204" pitchFamily="34" charset="0"/>
-                <a:cs typeface="Open Sans Semibold" panose="020B0706030804020204" pitchFamily="34" charset="0"/>
-              </a:rPr>
-              <a:t>Mobilise</a:t>
-            </a:r>
-            <a:r>
-              <a:rPr lang="en-US" sz="1100" spc="300" dirty="0" smtClean="0">
-                <a:solidFill>
-                  <a:schemeClr val="bg1">
-                    <a:lumMod val="65000"/>
-                  </a:schemeClr>
-                </a:solidFill>
-                <a:latin typeface="Open Sans Semibold" panose="020B0706030804020204" pitchFamily="34" charset="0"/>
-                <a:ea typeface="Open Sans Semibold" panose="020B0706030804020204" pitchFamily="34" charset="0"/>
-                <a:cs typeface="Open Sans Semibold" panose="020B0706030804020204" pitchFamily="34" charset="0"/>
-              </a:rPr>
-              <a:t>, </a:t>
+              <a:t>©Mobilise, </a:t>
             </a:r>
             <a:r>
               <a:rPr lang="en-US" sz="1100" spc="300" dirty="0">
@@ -6995,361 +9896,209 @@
           </a:p>
         </p:txBody>
       </p:sp>
-    </p:spTree>
-    <p:extLst>
-      <p:ext uri="{BB962C8B-B14F-4D97-AF65-F5344CB8AC3E}">
-        <p14:creationId xmlns:p14="http://schemas.microsoft.com/office/powerpoint/2010/main" val="713605856"/>
-      </p:ext>
-    </p:extLst>
-  </p:cSld>
-  <p:clrMapOvr>
-    <a:masterClrMapping/>
-  </p:clrMapOvr>
-  <p:timing>
-    <p:tnLst>
-      <p:par>
-        <p:cTn id="1" dur="indefinite" restart="never" nodeType="tmRoot"/>
-      </p:par>
-    </p:tnLst>
-  </p:timing>
-</p:sld>
-</file>
-
-<file path=ppt/slides/slide7.xml><?xml version="1.0" encoding="utf-8"?>
-<p:sld xmlns:a="http://schemas.openxmlformats.org/drawingml/2006/main" xmlns:r="http://schemas.openxmlformats.org/officeDocument/2006/relationships" xmlns:p="http://schemas.openxmlformats.org/presentationml/2006/main">
-  <p:cSld>
-    <p:spTree>
-      <p:nvGrpSpPr>
-        <p:cNvPr id="1" name=""/>
-        <p:cNvGrpSpPr/>
-        <p:nvPr/>
-      </p:nvGrpSpPr>
-      <p:grpSpPr>
-        <a:xfrm>
-          <a:off x="0" y="0"/>
-          <a:ext cx="0" cy="0"/>
-          <a:chOff x="0" y="0"/>
-          <a:chExt cx="0" cy="0"/>
-        </a:xfrm>
-      </p:grpSpPr>
-      <p:sp>
-        <p:nvSpPr>
-          <p:cNvPr id="3" name="Rectangle 2"/>
+      <p:grpSp>
+        <p:nvGrpSpPr>
+          <p:cNvPr id="5" name="Group 4"/>
+          <p:cNvGrpSpPr/>
+          <p:nvPr/>
+        </p:nvGrpSpPr>
+        <p:grpSpPr>
+          <a:xfrm>
+            <a:off x="0" y="-1"/>
+            <a:ext cx="1423116" cy="772733"/>
+            <a:chOff x="0" y="-1"/>
+            <a:chExt cx="1423116" cy="772733"/>
+          </a:xfrm>
+        </p:grpSpPr>
+        <p:sp>
+          <p:nvSpPr>
+            <p:cNvPr id="7" name="Rectangle 1"/>
+            <p:cNvSpPr/>
+            <p:nvPr/>
+          </p:nvSpPr>
+          <p:spPr>
+            <a:xfrm>
+              <a:off x="0" y="-1"/>
+              <a:ext cx="1371600" cy="772733"/>
+            </a:xfrm>
+            <a:custGeom>
+              <a:avLst/>
+              <a:gdLst>
+                <a:gd name="connsiteX0" fmla="*/ 0 w 1429555"/>
+                <a:gd name="connsiteY0" fmla="*/ 0 h 734096"/>
+                <a:gd name="connsiteX1" fmla="*/ 1429555 w 1429555"/>
+                <a:gd name="connsiteY1" fmla="*/ 0 h 734096"/>
+                <a:gd name="connsiteX2" fmla="*/ 1429555 w 1429555"/>
+                <a:gd name="connsiteY2" fmla="*/ 734096 h 734096"/>
+                <a:gd name="connsiteX3" fmla="*/ 0 w 1429555"/>
+                <a:gd name="connsiteY3" fmla="*/ 734096 h 734096"/>
+                <a:gd name="connsiteX4" fmla="*/ 0 w 1429555"/>
+                <a:gd name="connsiteY4" fmla="*/ 0 h 734096"/>
+                <a:gd name="connsiteX0" fmla="*/ 0 w 1429555"/>
+                <a:gd name="connsiteY0" fmla="*/ 0 h 746975"/>
+                <a:gd name="connsiteX1" fmla="*/ 1429555 w 1429555"/>
+                <a:gd name="connsiteY1" fmla="*/ 0 h 746975"/>
+                <a:gd name="connsiteX2" fmla="*/ 914400 w 1429555"/>
+                <a:gd name="connsiteY2" fmla="*/ 746975 h 746975"/>
+                <a:gd name="connsiteX3" fmla="*/ 0 w 1429555"/>
+                <a:gd name="connsiteY3" fmla="*/ 734096 h 746975"/>
+                <a:gd name="connsiteX4" fmla="*/ 0 w 1429555"/>
+                <a:gd name="connsiteY4" fmla="*/ 0 h 746975"/>
+              </a:gdLst>
+              <a:ahLst/>
+              <a:cxnLst>
+                <a:cxn ang="0">
+                  <a:pos x="connsiteX0" y="connsiteY0"/>
+                </a:cxn>
+                <a:cxn ang="0">
+                  <a:pos x="connsiteX1" y="connsiteY1"/>
+                </a:cxn>
+                <a:cxn ang="0">
+                  <a:pos x="connsiteX2" y="connsiteY2"/>
+                </a:cxn>
+                <a:cxn ang="0">
+                  <a:pos x="connsiteX3" y="connsiteY3"/>
+                </a:cxn>
+                <a:cxn ang="0">
+                  <a:pos x="connsiteX4" y="connsiteY4"/>
+                </a:cxn>
+              </a:cxnLst>
+              <a:rect l="l" t="t" r="r" b="b"/>
+              <a:pathLst>
+                <a:path w="1429555" h="746975">
+                  <a:moveTo>
+                    <a:pt x="0" y="0"/>
+                  </a:moveTo>
+                  <a:lnTo>
+                    <a:pt x="1429555" y="0"/>
+                  </a:lnTo>
+                  <a:lnTo>
+                    <a:pt x="914400" y="746975"/>
+                  </a:lnTo>
+                  <a:lnTo>
+                    <a:pt x="0" y="734096"/>
+                  </a:lnTo>
+                  <a:lnTo>
+                    <a:pt x="0" y="0"/>
+                  </a:lnTo>
+                  <a:close/>
+                </a:path>
+              </a:pathLst>
+            </a:custGeom>
+            <a:solidFill>
+              <a:srgbClr val="FFD42A"/>
+            </a:solidFill>
+            <a:ln>
+              <a:noFill/>
+            </a:ln>
+          </p:spPr>
+          <p:style>
+            <a:lnRef idx="2">
+              <a:schemeClr val="accent1">
+                <a:shade val="50000"/>
+              </a:schemeClr>
+            </a:lnRef>
+            <a:fillRef idx="1">
+              <a:schemeClr val="accent1"/>
+            </a:fillRef>
+            <a:effectRef idx="0">
+              <a:schemeClr val="accent1"/>
+            </a:effectRef>
+            <a:fontRef idx="minor">
+              <a:schemeClr val="lt1"/>
+            </a:fontRef>
+          </p:style>
+          <p:txBody>
+            <a:bodyPr rtlCol="0" anchor="ctr"/>
+            <a:lstStyle/>
+            <a:p>
+              <a:pPr algn="ctr"/>
+              <a:endParaRPr lang="en-US"/>
+            </a:p>
+          </p:txBody>
+        </p:sp>
+        <p:cxnSp>
+          <p:nvCxnSpPr>
+            <p:cNvPr id="8" name="Straight Connector 7"/>
+            <p:cNvCxnSpPr/>
+            <p:nvPr/>
+          </p:nvCxnSpPr>
+          <p:spPr>
+            <a:xfrm flipH="1">
+              <a:off x="928846" y="0"/>
+              <a:ext cx="494270" cy="772732"/>
+            </a:xfrm>
+            <a:prstGeom prst="line">
+              <a:avLst/>
+            </a:prstGeom>
+            <a:ln w="28575">
+              <a:solidFill>
+                <a:schemeClr val="tx1">
+                  <a:lumMod val="85000"/>
+                  <a:lumOff val="15000"/>
+                </a:schemeClr>
+              </a:solidFill>
+            </a:ln>
+          </p:spPr>
+          <p:style>
+            <a:lnRef idx="1">
+              <a:schemeClr val="accent1"/>
+            </a:lnRef>
+            <a:fillRef idx="0">
+              <a:schemeClr val="accent1"/>
+            </a:fillRef>
+            <a:effectRef idx="0">
+              <a:schemeClr val="accent1"/>
+            </a:effectRef>
+            <a:fontRef idx="minor">
+              <a:schemeClr val="tx1"/>
+            </a:fontRef>
+          </p:style>
+        </p:cxnSp>
+      </p:grpSp>
+      <p:sp>
+        <p:nvSpPr>
+          <p:cNvPr id="9" name="Rectangle 8"/>
           <p:cNvSpPr/>
           <p:nvPr/>
         </p:nvSpPr>
         <p:spPr>
           <a:xfrm>
-            <a:off x="4141647" y="2438601"/>
-            <a:ext cx="3778464" cy="1980799"/>
-          </a:xfrm>
-          <a:prstGeom prst="rect">
-            <a:avLst/>
-          </a:prstGeom>
-          <a:noFill/>
-          <a:ln>
-            <a:solidFill>
-              <a:schemeClr val="bg1"/>
-            </a:solidFill>
-          </a:ln>
-        </p:spPr>
-        <p:txBody>
-          <a:bodyPr wrap="square">
-            <a:spAutoFit/>
-          </a:bodyPr>
-          <a:lstStyle/>
-          <a:p>
-            <a:pPr marL="228600" marR="0">
-              <a:lnSpc>
-                <a:spcPct val="107000"/>
-              </a:lnSpc>
-              <a:spcBef>
-                <a:spcPts val="0"/>
-              </a:spcBef>
-              <a:spcAft>
-                <a:spcPts val="800"/>
-              </a:spcAft>
-            </a:pPr>
-            <a:r>
-              <a:rPr lang="en-US" sz="2400" b="1" spc="300" dirty="0" smtClean="0">
-                <a:solidFill>
-                  <a:schemeClr val="tx1">
-                    <a:lumMod val="65000"/>
-                    <a:lumOff val="35000"/>
-                  </a:schemeClr>
-                </a:solidFill>
-                <a:effectLst>
-                  <a:outerShdw blurRad="38100" dist="38100" dir="2700000" algn="tl">
-                    <a:srgbClr val="000000">
-                      <a:alpha val="43137"/>
-                    </a:srgbClr>
-                  </a:outerShdw>
-                </a:effectLst>
-                <a:ea typeface="Open Sans Semibold" panose="020B0706030804020204" pitchFamily="34" charset="0"/>
-                <a:cs typeface="Open Sans Semibold" panose="020B0706030804020204" pitchFamily="34" charset="0"/>
-              </a:rPr>
-              <a:t>Thank you</a:t>
-            </a:r>
-          </a:p>
-          <a:p>
-            <a:pPr marL="228600" marR="0">
-              <a:lnSpc>
-                <a:spcPct val="107000"/>
-              </a:lnSpc>
-              <a:spcBef>
-                <a:spcPts val="0"/>
-              </a:spcBef>
-              <a:spcAft>
-                <a:spcPts val="800"/>
-              </a:spcAft>
-            </a:pPr>
-            <a:r>
-              <a:rPr lang="en-US" sz="2400" b="1" spc="300" dirty="0" smtClean="0">
-                <a:solidFill>
-                  <a:schemeClr val="tx1">
-                    <a:lumMod val="65000"/>
-                    <a:lumOff val="35000"/>
-                  </a:schemeClr>
-                </a:solidFill>
-                <a:effectLst>
-                  <a:outerShdw blurRad="38100" dist="38100" dir="2700000" algn="tl">
-                    <a:srgbClr val="000000">
-                      <a:alpha val="43137"/>
-                    </a:srgbClr>
-                  </a:outerShdw>
-                </a:effectLst>
-                <a:ea typeface="Open Sans Semibold" panose="020B0706030804020204" pitchFamily="34" charset="0"/>
-                <a:cs typeface="Open Sans Semibold" panose="020B0706030804020204" pitchFamily="34" charset="0"/>
-              </a:rPr>
-              <a:t>Irfan Syed</a:t>
-            </a:r>
-          </a:p>
-          <a:p>
-            <a:pPr marL="228600" marR="0">
-              <a:lnSpc>
-                <a:spcPct val="107000"/>
-              </a:lnSpc>
-              <a:spcBef>
-                <a:spcPts val="0"/>
-              </a:spcBef>
-              <a:spcAft>
-                <a:spcPts val="800"/>
-              </a:spcAft>
-            </a:pPr>
-            <a:r>
-              <a:rPr lang="en-US" sz="2400" b="1" spc="300" dirty="0" smtClean="0">
-                <a:solidFill>
-                  <a:schemeClr val="tx1">
-                    <a:lumMod val="65000"/>
-                    <a:lumOff val="35000"/>
-                  </a:schemeClr>
-                </a:solidFill>
-                <a:effectLst>
-                  <a:outerShdw blurRad="38100" dist="38100" dir="2700000" algn="tl">
-                    <a:srgbClr val="000000">
-                      <a:alpha val="43137"/>
-                    </a:srgbClr>
-                  </a:outerShdw>
-                </a:effectLst>
-                <a:ea typeface="Open Sans Semibold" panose="020B0706030804020204" pitchFamily="34" charset="0"/>
-                <a:cs typeface="Open Sans Semibold" panose="020B0706030804020204" pitchFamily="34" charset="0"/>
-              </a:rPr>
-              <a:t>Software engineer </a:t>
-            </a:r>
-          </a:p>
-          <a:p>
-            <a:pPr marL="228600" marR="0">
-              <a:lnSpc>
-                <a:spcPct val="107000"/>
-              </a:lnSpc>
-              <a:spcBef>
-                <a:spcPts val="0"/>
-              </a:spcBef>
-              <a:spcAft>
-                <a:spcPts val="800"/>
-              </a:spcAft>
-            </a:pPr>
-            <a:r>
-              <a:rPr lang="en-US" sz="2400" b="1" spc="300" dirty="0" smtClean="0">
-                <a:solidFill>
-                  <a:schemeClr val="tx1">
-                    <a:lumMod val="65000"/>
-                    <a:lumOff val="35000"/>
-                  </a:schemeClr>
-                </a:solidFill>
-                <a:effectLst>
-                  <a:outerShdw blurRad="38100" dist="38100" dir="2700000" algn="tl">
-                    <a:srgbClr val="000000">
-                      <a:alpha val="43137"/>
-                    </a:srgbClr>
-                  </a:outerShdw>
-                </a:effectLst>
-                <a:ea typeface="Open Sans Semibold" panose="020B0706030804020204" pitchFamily="34" charset="0"/>
-                <a:cs typeface="Open Sans Semibold" panose="020B0706030804020204" pitchFamily="34" charset="0"/>
-              </a:rPr>
-              <a:t>Mobilise-Pakistan </a:t>
-            </a:r>
-            <a:endParaRPr lang="en-US" sz="2400" b="1" spc="300" dirty="0">
-              <a:solidFill>
-                <a:schemeClr val="tx1">
-                  <a:lumMod val="65000"/>
-                  <a:lumOff val="35000"/>
-                </a:schemeClr>
-              </a:solidFill>
-              <a:effectLst>
-                <a:outerShdw blurRad="38100" dist="38100" dir="2700000" algn="tl">
-                  <a:srgbClr val="000000">
-                    <a:alpha val="43137"/>
-                  </a:srgbClr>
-                </a:outerShdw>
-              </a:effectLst>
-              <a:ea typeface="Open Sans Semibold" panose="020B0706030804020204" pitchFamily="34" charset="0"/>
-              <a:cs typeface="Open Sans Semibold" panose="020B0706030804020204" pitchFamily="34" charset="0"/>
-            </a:endParaRPr>
-          </a:p>
-        </p:txBody>
-      </p:sp>
-      <p:sp>
-        <p:nvSpPr>
-          <p:cNvPr id="5" name="Rectangle 4"/>
-          <p:cNvSpPr/>
-          <p:nvPr/>
-        </p:nvSpPr>
-        <p:spPr>
-          <a:xfrm>
-            <a:off x="3356035" y="4762074"/>
-            <a:ext cx="5876996" cy="355803"/>
+            <a:off x="1305920" y="209105"/>
+            <a:ext cx="2063514" cy="461665"/>
           </a:xfrm>
           <a:prstGeom prst="rect">
             <a:avLst/>
           </a:prstGeom>
         </p:spPr>
         <p:txBody>
-          <a:bodyPr wrap="square">
+          <a:bodyPr wrap="none">
             <a:spAutoFit/>
           </a:bodyPr>
           <a:lstStyle/>
           <a:p>
-            <a:pPr marL="228600" marR="0">
-              <a:lnSpc>
-                <a:spcPct val="107000"/>
-              </a:lnSpc>
-              <a:spcBef>
-                <a:spcPts val="0"/>
-              </a:spcBef>
-              <a:spcAft>
-                <a:spcPts val="800"/>
-              </a:spcAft>
-            </a:pPr>
-            <a:r>
-              <a:rPr lang="en-US" sz="1600" spc="300" dirty="0" smtClean="0">
+            <a:r>
+              <a:rPr lang="en-US" sz="2400" b="1" spc="300" dirty="0" smtClean="0">
                 <a:solidFill>
                   <a:schemeClr val="tx1">
-                    <a:lumMod val="65000"/>
-                    <a:lumOff val="35000"/>
+                    <a:lumMod val="85000"/>
+                    <a:lumOff val="15000"/>
                   </a:schemeClr>
                 </a:solidFill>
-                <a:ea typeface="Open Sans Semibold" panose="020B0706030804020204" pitchFamily="34" charset="0"/>
-                <a:cs typeface="Open Sans Semibold" panose="020B0706030804020204" pitchFamily="34" charset="0"/>
-              </a:rPr>
-              <a:t>I will be happy to answer any questions</a:t>
-            </a:r>
-            <a:endParaRPr lang="en-US" sz="1600" spc="300" dirty="0">
+                <a:ea typeface="Roboto" panose="02000000000000000000" pitchFamily="2" charset="0"/>
+                <a:cs typeface="Roboto" panose="02000000000000000000" pitchFamily="2" charset="0"/>
+              </a:rPr>
+              <a:t>Application</a:t>
+            </a:r>
+            <a:endParaRPr lang="en-US" sz="2400" b="1" spc="300" dirty="0">
               <a:solidFill>
                 <a:schemeClr val="tx1">
-                  <a:lumMod val="65000"/>
-                  <a:lumOff val="35000"/>
+                  <a:lumMod val="85000"/>
+                  <a:lumOff val="15000"/>
                 </a:schemeClr>
               </a:solidFill>
-              <a:ea typeface="Open Sans Semibold" panose="020B0706030804020204" pitchFamily="34" charset="0"/>
-              <a:cs typeface="Open Sans Semibold" panose="020B0706030804020204" pitchFamily="34" charset="0"/>
-            </a:endParaRPr>
-          </a:p>
-        </p:txBody>
-      </p:sp>
-      <p:sp>
-        <p:nvSpPr>
-          <p:cNvPr id="6" name="TextBox 5"/>
-          <p:cNvSpPr txBox="1"/>
-          <p:nvPr/>
-        </p:nvSpPr>
-        <p:spPr>
-          <a:xfrm>
-            <a:off x="8932383" y="6485828"/>
-            <a:ext cx="2786308" cy="261610"/>
-          </a:xfrm>
-          <a:prstGeom prst="rect">
-            <a:avLst/>
-          </a:prstGeom>
-          <a:noFill/>
-        </p:spPr>
-        <p:txBody>
-          <a:bodyPr wrap="square" rtlCol="0">
-            <a:spAutoFit/>
-          </a:bodyPr>
-          <a:lstStyle/>
-          <a:p>
-            <a:r>
-              <a:rPr lang="en-US" sz="1100" spc="300" dirty="0" smtClean="0">
-                <a:solidFill>
-                  <a:schemeClr val="bg1">
-                    <a:lumMod val="65000"/>
-                  </a:schemeClr>
-                </a:solidFill>
-                <a:latin typeface="Open Sans Semibold" panose="020B0706030804020204" pitchFamily="34" charset="0"/>
-                <a:ea typeface="Open Sans Semibold" panose="020B0706030804020204" pitchFamily="34" charset="0"/>
-                <a:cs typeface="Open Sans Semibold" panose="020B0706030804020204" pitchFamily="34" charset="0"/>
-              </a:rPr>
-              <a:t>©</a:t>
-            </a:r>
-            <a:r>
-              <a:rPr lang="en-US" sz="1100" spc="300" dirty="0" smtClean="0">
-                <a:solidFill>
-                  <a:schemeClr val="bg1">
-                    <a:lumMod val="65000"/>
-                  </a:schemeClr>
-                </a:solidFill>
-                <a:latin typeface="Open Sans Semibold" panose="020B0706030804020204" pitchFamily="34" charset="0"/>
-                <a:ea typeface="Open Sans Semibold" panose="020B0706030804020204" pitchFamily="34" charset="0"/>
-                <a:cs typeface="Open Sans Semibold" panose="020B0706030804020204" pitchFamily="34" charset="0"/>
-              </a:rPr>
-              <a:t>Mobilise</a:t>
-            </a:r>
-            <a:r>
-              <a:rPr lang="en-US" sz="1100" spc="300" dirty="0" smtClean="0">
-                <a:solidFill>
-                  <a:schemeClr val="bg1">
-                    <a:lumMod val="65000"/>
-                  </a:schemeClr>
-                </a:solidFill>
-                <a:latin typeface="Open Sans Semibold" panose="020B0706030804020204" pitchFamily="34" charset="0"/>
-                <a:ea typeface="Open Sans Semibold" panose="020B0706030804020204" pitchFamily="34" charset="0"/>
-                <a:cs typeface="Open Sans Semibold" panose="020B0706030804020204" pitchFamily="34" charset="0"/>
-              </a:rPr>
-              <a:t>, </a:t>
-            </a:r>
-            <a:r>
-              <a:rPr lang="en-US" sz="1100" spc="300" dirty="0">
-                <a:solidFill>
-                  <a:schemeClr val="bg1">
-                    <a:lumMod val="65000"/>
-                  </a:schemeClr>
-                </a:solidFill>
-                <a:latin typeface="Open Sans Semibold" panose="020B0706030804020204" pitchFamily="34" charset="0"/>
-                <a:ea typeface="Open Sans Semibold" panose="020B0706030804020204" pitchFamily="34" charset="0"/>
-                <a:cs typeface="Open Sans Semibold" panose="020B0706030804020204" pitchFamily="34" charset="0"/>
-              </a:rPr>
-              <a:t>PAKISTAN </a:t>
-            </a:r>
-            <a:endParaRPr lang="en-IN" sz="1100" spc="300" dirty="0">
-              <a:solidFill>
-                <a:schemeClr val="bg1">
-                  <a:lumMod val="65000"/>
-                </a:schemeClr>
-              </a:solidFill>
-              <a:latin typeface="Open Sans Semibold" panose="020B0706030804020204" pitchFamily="34" charset="0"/>
-              <a:ea typeface="Open Sans Semibold" panose="020B0706030804020204" pitchFamily="34" charset="0"/>
-              <a:cs typeface="Open Sans Semibold" panose="020B0706030804020204" pitchFamily="34" charset="0"/>
+              <a:ea typeface="Roboto" panose="02000000000000000000" pitchFamily="2" charset="0"/>
+              <a:cs typeface="Roboto" panose="02000000000000000000" pitchFamily="2" charset="0"/>
             </a:endParaRPr>
           </a:p>
         </p:txBody>
@@ -7357,7 +10106,7 @@
     </p:spTree>
     <p:extLst>
       <p:ext uri="{BB962C8B-B14F-4D97-AF65-F5344CB8AC3E}">
-        <p14:creationId xmlns:p14="http://schemas.microsoft.com/office/powerpoint/2010/main" val="1787472408"/>
+        <p14:creationId xmlns:p14="http://schemas.microsoft.com/office/powerpoint/2010/main" val="713605856"/>
       </p:ext>
     </p:extLst>
   </p:cSld>
